--- a/GNOOTIP - Song Recommender by GNOD.pptx
+++ b/GNOOTIP - Song Recommender by GNOD.pptx
@@ -1,6 +1,6 @@
 
 <file path=ppt/presentation.xml><?xml version="1.0" encoding="utf-8"?>
-<p:presentation xmlns:a="http://schemas.openxmlformats.org/drawingml/2006/main" xmlns:r="http://schemas.openxmlformats.org/officeDocument/2006/relationships" xmlns:mc="http://schemas.openxmlformats.org/markup-compatibility/2006" xmlns:mv="urn:schemas-microsoft-com:mac:vml" xmlns:p="http://schemas.openxmlformats.org/presentationml/2006/main" xmlns:c="http://schemas.openxmlformats.org/drawingml/2006/chart" xmlns:dgm="http://schemas.openxmlformats.org/drawingml/2006/diagram" xmlns:o="urn:schemas-microsoft-com:office:office" xmlns:v="urn:schemas-microsoft-com:vml" xmlns:pvml="urn:schemas-microsoft-com:office:powerpoint" xmlns:com="http://schemas.openxmlformats.org/drawingml/2006/compatibility" xmlns:p14="http://schemas.microsoft.com/office/powerpoint/2010/main" xmlns:p15="http://schemas.microsoft.com/office/powerpoint/2012/main" xmlns:ahyp="http://schemas.microsoft.com/office/drawing/2018/hyperlinkcolor" autoCompressPictures="0" strictFirstAndLastChars="0" saveSubsetFonts="1">
+<p:presentation xmlns:a="http://schemas.openxmlformats.org/drawingml/2006/main" xmlns:r="http://schemas.openxmlformats.org/officeDocument/2006/relationships" xmlns:mc="http://schemas.openxmlformats.org/markup-compatibility/2006" xmlns:mv="urn:schemas-microsoft-com:mac:vml" xmlns:p="http://schemas.openxmlformats.org/presentationml/2006/main" xmlns:c="http://schemas.openxmlformats.org/drawingml/2006/chart" xmlns:dgm="http://schemas.openxmlformats.org/drawingml/2006/diagram" xmlns:o="urn:schemas-microsoft-com:office:office" xmlns:v="urn:schemas-microsoft-com:vml" xmlns:pvml="urn:schemas-microsoft-com:office:powerpoint" xmlns:com="http://schemas.openxmlformats.org/drawingml/2006/compatibility" xmlns:p14="http://schemas.microsoft.com/office/powerpoint/2010/main" xmlns:p15="http://schemas.microsoft.com/office/powerpoint/2012/main" xmlns:ahyp="http://schemas.microsoft.com/office/drawing/2018/hyperlinkcolor" autoCompressPictures="0" embedTrueTypeFonts="1" strictFirstAndLastChars="0" saveSubsetFonts="1">
   <p:sldMasterIdLst>
     <p:sldMasterId id="2147483660" r:id="rId4"/>
   </p:sldMasterIdLst>
@@ -20,6 +20,15 @@
   </p:sldIdLst>
   <p:sldSz cy="5143500" cx="9144000"/>
   <p:notesSz cx="6858000" cy="9144000"/>
+  <p:embeddedFontLst>
+    <p:embeddedFont>
+      <p:font typeface="Nunito"/>
+      <p:regular r:id="rId15"/>
+      <p:bold r:id="rId16"/>
+      <p:italic r:id="rId17"/>
+      <p:boldItalic r:id="rId18"/>
+    </p:embeddedFont>
+  </p:embeddedFontLst>
   <p:defaultTextStyle>
     <a:defPPr lvl="0" marR="0" rtl="0" algn="l">
       <a:lnSpc>
@@ -798,7 +807,7 @@
   <p:cSld>
     <p:spTree>
       <p:nvGrpSpPr>
-        <p:cNvPr id="59" name="Shape 59"/>
+        <p:cNvPr id="60" name="Shape 60"/>
         <p:cNvGrpSpPr/>
         <p:nvPr/>
       </p:nvGrpSpPr>
@@ -812,7 +821,7 @@
       </p:grpSpPr>
       <p:sp>
         <p:nvSpPr>
-          <p:cNvPr id="60" name="Google Shape;60;g1338859823a_0_1:notes"/>
+          <p:cNvPr id="61" name="Google Shape;61;g1338859823a_0_1:notes"/>
           <p:cNvSpPr/>
           <p:nvPr>
             <p:ph idx="2" type="sldImg"/>
@@ -847,7 +856,7 @@
       </p:sp>
       <p:sp>
         <p:nvSpPr>
-          <p:cNvPr id="61" name="Google Shape;61;g1338859823a_0_1:notes"/>
+          <p:cNvPr id="62" name="Google Shape;62;g1338859823a_0_1:notes"/>
           <p:cNvSpPr txBox="1"/>
           <p:nvPr>
             <p:ph idx="1" type="body"/>
@@ -897,7 +906,7 @@
   <p:cSld>
     <p:spTree>
       <p:nvGrpSpPr>
-        <p:cNvPr id="67" name="Shape 67"/>
+        <p:cNvPr id="94" name="Shape 94"/>
         <p:cNvGrpSpPr/>
         <p:nvPr/>
       </p:nvGrpSpPr>
@@ -911,147 +920,7 @@
       </p:grpSpPr>
       <p:sp>
         <p:nvSpPr>
-          <p:cNvPr id="68" name="Google Shape;68;g1338859823a_0_72:notes"/>
-          <p:cNvSpPr txBox="1"/>
-          <p:nvPr>
-            <p:ph idx="1" type="body"/>
-          </p:nvPr>
-        </p:nvSpPr>
-        <p:spPr>
-          <a:xfrm>
-            <a:off x="685800" y="4400550"/>
-            <a:ext cx="5486400" cy="3600600"/>
-          </a:xfrm>
-          <a:prstGeom prst="rect">
-            <a:avLst/>
-          </a:prstGeom>
-        </p:spPr>
-        <p:txBody>
-          <a:bodyPr anchorCtr="0" anchor="t" bIns="91425" lIns="91425" spcFirstLastPara="1" rIns="91425" wrap="square" tIns="91425">
-            <a:noAutofit/>
-          </a:bodyPr>
-          <a:lstStyle/>
-          <a:p>
-            <a:pPr indent="0" lvl="0" marL="0" rtl="0" algn="l">
-              <a:spcBef>
-                <a:spcPts val="0"/>
-              </a:spcBef>
-              <a:spcAft>
-                <a:spcPts val="0"/>
-              </a:spcAft>
-              <a:buNone/>
-            </a:pPr>
-            <a:r>
-              <a:rPr lang="fr"/>
-              <a:t>Attention les besoins market et les besoins sales sont différents -&gt; en général les persona en market c’est un word de 8 pages qui est ULTRA précis. Mais ne correspond pas au besoin des sales -&gt; on a adapté l’exercice</a:t>
-            </a:r>
-            <a:endParaRPr/>
-          </a:p>
-          <a:p>
-            <a:pPr indent="0" lvl="0" marL="0" rtl="0" algn="l">
-              <a:spcBef>
-                <a:spcPts val="0"/>
-              </a:spcBef>
-              <a:spcAft>
-                <a:spcPts val="0"/>
-              </a:spcAft>
-              <a:buNone/>
-            </a:pPr>
-            <a:r>
-              <a:rPr lang="fr"/>
-              <a:t>Les besoins sales :</a:t>
-            </a:r>
-            <a:endParaRPr/>
-          </a:p>
-          <a:p>
-            <a:pPr indent="-298450" lvl="0" marL="457200" rtl="0" algn="l">
-              <a:spcBef>
-                <a:spcPts val="0"/>
-              </a:spcBef>
-              <a:spcAft>
-                <a:spcPts val="0"/>
-              </a:spcAft>
-              <a:buSzPts val="1100"/>
-              <a:buChar char="-"/>
-            </a:pPr>
-            <a:r>
-              <a:rPr lang="fr"/>
-              <a:t>comment il aime que je lui parle ?</a:t>
-            </a:r>
-            <a:endParaRPr/>
-          </a:p>
-          <a:p>
-            <a:pPr indent="-298450" lvl="0" marL="457200" rtl="0" algn="l">
-              <a:spcBef>
-                <a:spcPts val="0"/>
-              </a:spcBef>
-              <a:spcAft>
-                <a:spcPts val="0"/>
-              </a:spcAft>
-              <a:buSzPts val="1100"/>
-              <a:buChar char="-"/>
-            </a:pPr>
-            <a:r>
-              <a:rPr lang="fr"/>
-              <a:t>- qu’est ce qui la stresse?</a:t>
-            </a:r>
-            <a:endParaRPr/>
-          </a:p>
-          <a:p>
-            <a:pPr indent="-298450" lvl="0" marL="457200" rtl="0" algn="l">
-              <a:spcBef>
-                <a:spcPts val="0"/>
-              </a:spcBef>
-              <a:spcAft>
-                <a:spcPts val="0"/>
-              </a:spcAft>
-              <a:buSzPts val="1100"/>
-              <a:buChar char="-"/>
-            </a:pPr>
-            <a:r>
-              <a:rPr lang="fr"/>
-              <a:t>quel est son enjeu ?</a:t>
-            </a:r>
-            <a:endParaRPr/>
-          </a:p>
-          <a:p>
-            <a:pPr indent="-298450" lvl="0" marL="457200" rtl="0" algn="l">
-              <a:spcBef>
-                <a:spcPts val="0"/>
-              </a:spcBef>
-              <a:spcAft>
-                <a:spcPts val="0"/>
-              </a:spcAft>
-              <a:buSzPts val="1100"/>
-              <a:buChar char="-"/>
-            </a:pPr>
-            <a:r>
-              <a:rPr lang="fr"/>
-              <a:t>comment je peux l’aider ?</a:t>
-            </a:r>
-            <a:endParaRPr/>
-          </a:p>
-          <a:p>
-            <a:pPr indent="0" lvl="0" marL="0" rtl="0" algn="l">
-              <a:spcBef>
-                <a:spcPts val="0"/>
-              </a:spcBef>
-              <a:spcAft>
-                <a:spcPts val="0"/>
-              </a:spcAft>
-              <a:buNone/>
-            </a:pPr>
-            <a:r>
-              <a:rPr lang="fr"/>
-              <a:t>→ voilà à quoi un persona sales peut ressembler :)</a:t>
-            </a:r>
-            <a:endParaRPr/>
-          </a:p>
-        </p:txBody>
-      </p:sp>
-      <p:sp>
-        <p:nvSpPr>
-          <p:cNvPr id="69" name="Google Shape;69;g1338859823a_0_72:notes"/>
+          <p:cNvPr id="95" name="Google Shape;95;g1338859823a_0_40:notes"/>
           <p:cNvSpPr/>
           <p:nvPr>
             <p:ph idx="2" type="sldImg"/>
@@ -1059,8 +928,8 @@
         </p:nvSpPr>
         <p:spPr>
           <a:xfrm>
-            <a:off x="685800" y="1143000"/>
-            <a:ext cx="5486400" cy="3086100"/>
+            <a:off x="381300" y="685800"/>
+            <a:ext cx="6096000" cy="3429000"/>
           </a:xfrm>
           <a:custGeom>
             <a:rect b="b" l="l" r="r" t="t"/>
@@ -1084,6 +953,45 @@
           </a:custGeom>
         </p:spPr>
       </p:sp>
+      <p:sp>
+        <p:nvSpPr>
+          <p:cNvPr id="96" name="Google Shape;96;g1338859823a_0_40:notes"/>
+          <p:cNvSpPr txBox="1"/>
+          <p:nvPr>
+            <p:ph idx="1" type="body"/>
+          </p:nvPr>
+        </p:nvSpPr>
+        <p:spPr>
+          <a:xfrm>
+            <a:off x="685800" y="4343400"/>
+            <a:ext cx="5486400" cy="4114800"/>
+          </a:xfrm>
+          <a:prstGeom prst="rect">
+            <a:avLst/>
+          </a:prstGeom>
+        </p:spPr>
+        <p:txBody>
+          <a:bodyPr anchorCtr="0" anchor="t" bIns="91425" lIns="91425" spcFirstLastPara="1" rIns="91425" wrap="square" tIns="91425">
+            <a:noAutofit/>
+          </a:bodyPr>
+          <a:lstStyle/>
+          <a:p>
+            <a:pPr indent="0" lvl="0" marL="0" rtl="0" algn="l">
+              <a:spcBef>
+                <a:spcPts val="0"/>
+              </a:spcBef>
+              <a:spcAft>
+                <a:spcPts val="0"/>
+              </a:spcAft>
+              <a:buNone/>
+            </a:pPr>
+            <a:r>
+              <a:t/>
+            </a:r>
+            <a:endParaRPr/>
+          </a:p>
+        </p:txBody>
+      </p:sp>
     </p:spTree>
   </p:cSld>
   <p:clrMapOvr>
@@ -1097,7 +1005,7 @@
   <p:cSld>
     <p:spTree>
       <p:nvGrpSpPr>
-        <p:cNvPr id="72" name="Shape 72"/>
+        <p:cNvPr id="106" name="Shape 106"/>
         <p:cNvGrpSpPr/>
         <p:nvPr/>
       </p:nvGrpSpPr>
@@ -1111,7 +1019,7 @@
       </p:grpSpPr>
       <p:sp>
         <p:nvSpPr>
-          <p:cNvPr id="73" name="Google Shape;73;g1338859823a_0_40:notes"/>
+          <p:cNvPr id="107" name="Google Shape;107;g1338859823a_0_210:notes"/>
           <p:cNvSpPr/>
           <p:nvPr>
             <p:ph idx="2" type="sldImg"/>
@@ -1146,7 +1054,7 @@
       </p:sp>
       <p:sp>
         <p:nvSpPr>
-          <p:cNvPr id="74" name="Google Shape;74;g1338859823a_0_40:notes"/>
+          <p:cNvPr id="108" name="Google Shape;108;g1338859823a_0_210:notes"/>
           <p:cNvSpPr txBox="1"/>
           <p:nvPr>
             <p:ph idx="1" type="body"/>
@@ -1196,7 +1104,7 @@
   <p:cSld>
     <p:spTree>
       <p:nvGrpSpPr>
-        <p:cNvPr id="81" name="Shape 81"/>
+        <p:cNvPr id="119" name="Shape 119"/>
         <p:cNvGrpSpPr/>
         <p:nvPr/>
       </p:nvGrpSpPr>
@@ -1210,7 +1118,7 @@
       </p:grpSpPr>
       <p:sp>
         <p:nvSpPr>
-          <p:cNvPr id="82" name="Google Shape;82;g1338859823a_0_51:notes"/>
+          <p:cNvPr id="120" name="Google Shape;120;g1338859823a_0_6:notes"/>
           <p:cNvSpPr/>
           <p:nvPr>
             <p:ph idx="2" type="sldImg"/>
@@ -1245,7 +1153,7 @@
       </p:sp>
       <p:sp>
         <p:nvSpPr>
-          <p:cNvPr id="83" name="Google Shape;83;g1338859823a_0_51:notes"/>
+          <p:cNvPr id="121" name="Google Shape;121;g1338859823a_0_6:notes"/>
           <p:cNvSpPr txBox="1"/>
           <p:nvPr>
             <p:ph idx="1" type="body"/>
@@ -1295,7 +1203,7 @@
   <p:cSld>
     <p:spTree>
       <p:nvGrpSpPr>
-        <p:cNvPr id="89" name="Shape 89"/>
+        <p:cNvPr id="126" name="Shape 126"/>
         <p:cNvGrpSpPr/>
         <p:nvPr/>
       </p:nvGrpSpPr>
@@ -1309,7 +1217,7 @@
       </p:grpSpPr>
       <p:sp>
         <p:nvSpPr>
-          <p:cNvPr id="90" name="Google Shape;90;g1338859823a_0_6:notes"/>
+          <p:cNvPr id="127" name="Google Shape;127;g1338859823a_0_28:notes"/>
           <p:cNvSpPr/>
           <p:nvPr>
             <p:ph idx="2" type="sldImg"/>
@@ -1344,7 +1252,7 @@
       </p:sp>
       <p:sp>
         <p:nvSpPr>
-          <p:cNvPr id="91" name="Google Shape;91;g1338859823a_0_6:notes"/>
+          <p:cNvPr id="128" name="Google Shape;128;g1338859823a_0_28:notes"/>
           <p:cNvSpPr txBox="1"/>
           <p:nvPr>
             <p:ph idx="1" type="body"/>
@@ -1394,7 +1302,7 @@
   <p:cSld>
     <p:spTree>
       <p:nvGrpSpPr>
-        <p:cNvPr id="95" name="Shape 95"/>
+        <p:cNvPr id="135" name="Shape 135"/>
         <p:cNvGrpSpPr/>
         <p:nvPr/>
       </p:nvGrpSpPr>
@@ -1408,7 +1316,7 @@
       </p:grpSpPr>
       <p:sp>
         <p:nvSpPr>
-          <p:cNvPr id="96" name="Google Shape;96;g1338859823a_0_28:notes"/>
+          <p:cNvPr id="136" name="Google Shape;136;g1338859823a_0_231:notes"/>
           <p:cNvSpPr/>
           <p:nvPr>
             <p:ph idx="2" type="sldImg"/>
@@ -1443,7 +1351,7 @@
       </p:sp>
       <p:sp>
         <p:nvSpPr>
-          <p:cNvPr id="97" name="Google Shape;97;g1338859823a_0_28:notes"/>
+          <p:cNvPr id="137" name="Google Shape;137;g1338859823a_0_231:notes"/>
           <p:cNvSpPr txBox="1"/>
           <p:nvPr>
             <p:ph idx="1" type="body"/>
@@ -1493,7 +1401,7 @@
   <p:cSld>
     <p:spTree>
       <p:nvGrpSpPr>
-        <p:cNvPr id="101" name="Shape 101"/>
+        <p:cNvPr id="149" name="Shape 149"/>
         <p:cNvGrpSpPr/>
         <p:nvPr/>
       </p:nvGrpSpPr>
@@ -1507,7 +1415,7 @@
       </p:grpSpPr>
       <p:sp>
         <p:nvSpPr>
-          <p:cNvPr id="102" name="Google Shape;102;g1338859823a_0_33:notes"/>
+          <p:cNvPr id="150" name="Google Shape;150;g1338859823a_0_33:notes"/>
           <p:cNvSpPr/>
           <p:nvPr>
             <p:ph idx="2" type="sldImg"/>
@@ -1542,7 +1450,7 @@
       </p:sp>
       <p:sp>
         <p:nvSpPr>
-          <p:cNvPr id="103" name="Google Shape;103;g1338859823a_0_33:notes"/>
+          <p:cNvPr id="151" name="Google Shape;151;g1338859823a_0_33:notes"/>
           <p:cNvSpPr txBox="1"/>
           <p:nvPr>
             <p:ph idx="1" type="body"/>
@@ -1592,7 +1500,7 @@
   <p:cSld>
     <p:spTree>
       <p:nvGrpSpPr>
-        <p:cNvPr id="107" name="Shape 107"/>
+        <p:cNvPr id="156" name="Shape 156"/>
         <p:cNvGrpSpPr/>
         <p:nvPr/>
       </p:nvGrpSpPr>
@@ -1606,7 +1514,7 @@
       </p:grpSpPr>
       <p:sp>
         <p:nvSpPr>
-          <p:cNvPr id="108" name="Google Shape;108;g1338859823a_0_61:notes"/>
+          <p:cNvPr id="157" name="Google Shape;157;g1338859823a_0_61:notes"/>
           <p:cNvSpPr/>
           <p:nvPr>
             <p:ph idx="2" type="sldImg"/>
@@ -1641,7 +1549,7 @@
       </p:sp>
       <p:sp>
         <p:nvSpPr>
-          <p:cNvPr id="109" name="Google Shape;109;g1338859823a_0_61:notes"/>
+          <p:cNvPr id="158" name="Google Shape;158;g1338859823a_0_61:notes"/>
           <p:cNvSpPr txBox="1"/>
           <p:nvPr>
             <p:ph idx="1" type="body"/>
@@ -6416,7 +6324,7 @@
         </p:nvSpPr>
         <p:spPr>
           <a:xfrm>
-            <a:off x="311700" y="1639350"/>
+            <a:off x="1301125" y="1360600"/>
             <a:ext cx="8520600" cy="1864800"/>
           </a:xfrm>
           <a:prstGeom prst="rect">
@@ -6440,6 +6348,9 @@
             </a:pPr>
             <a:r>
               <a:rPr lang="fr" sz="4200">
+                <a:solidFill>
+                  <a:srgbClr val="434343"/>
+                </a:solidFill>
                 <a:latin typeface="Spartan"/>
                 <a:ea typeface="Spartan"/>
                 <a:cs typeface="Spartan"/>
@@ -6448,6 +6359,9 @@
               <a:t>GNOOTIP</a:t>
             </a:r>
             <a:endParaRPr sz="4200">
+              <a:solidFill>
+                <a:srgbClr val="434343"/>
+              </a:solidFill>
               <a:latin typeface="Spartan"/>
               <a:ea typeface="Spartan"/>
               <a:cs typeface="Spartan"/>
@@ -6466,6 +6380,9 @@
             </a:pPr>
             <a:r>
               <a:rPr lang="fr" sz="2000">
+                <a:solidFill>
+                  <a:srgbClr val="434343"/>
+                </a:solidFill>
                 <a:latin typeface="Spartan"/>
                 <a:ea typeface="Spartan"/>
                 <a:cs typeface="Spartan"/>
@@ -6474,6 +6391,9 @@
               <a:t> </a:t>
             </a:r>
             <a:endParaRPr sz="2000">
+              <a:solidFill>
+                <a:srgbClr val="434343"/>
+              </a:solidFill>
               <a:latin typeface="Spartan"/>
               <a:ea typeface="Spartan"/>
               <a:cs typeface="Spartan"/>
@@ -6492,6 +6412,9 @@
             </a:pPr>
             <a:r>
               <a:rPr lang="fr">
+                <a:solidFill>
+                  <a:srgbClr val="434343"/>
+                </a:solidFill>
                 <a:latin typeface="Spartan"/>
                 <a:ea typeface="Spartan"/>
                 <a:cs typeface="Spartan"/>
@@ -6500,6 +6423,9 @@
               <a:t>Find the music you will love </a:t>
             </a:r>
             <a:endParaRPr>
+              <a:solidFill>
+                <a:srgbClr val="434343"/>
+              </a:solidFill>
               <a:latin typeface="Spartan"/>
               <a:ea typeface="Spartan"/>
               <a:cs typeface="Spartan"/>
@@ -6514,18 +6440,17 @@
           <p:cNvPicPr preferRelativeResize="0"/>
           <p:nvPr/>
         </p:nvPicPr>
-        <p:blipFill>
+        <p:blipFill rotWithShape="1">
           <a:blip r:embed="rId3">
             <a:alphaModFix/>
           </a:blip>
-          <a:stretch>
-            <a:fillRect/>
-          </a:stretch>
+          <a:srcRect b="0" l="27060" r="0" t="0"/>
+          <a:stretch/>
         </p:blipFill>
         <p:spPr>
           <a:xfrm>
-            <a:off x="152400" y="152400"/>
-            <a:ext cx="4867275" cy="504825"/>
+            <a:off x="5489900" y="78925"/>
+            <a:ext cx="3550100" cy="504825"/>
           </a:xfrm>
           <a:prstGeom prst="rect">
             <a:avLst/>
@@ -6546,7 +6471,7 @@
         </p:nvSpPr>
         <p:spPr>
           <a:xfrm>
-            <a:off x="311700" y="3504150"/>
+            <a:off x="1301125" y="2968025"/>
             <a:ext cx="8520600" cy="1864800"/>
           </a:xfrm>
           <a:prstGeom prst="rect">
@@ -6592,6 +6517,33 @@
           </a:p>
         </p:txBody>
       </p:sp>
+      <p:pic>
+        <p:nvPicPr>
+          <p:cNvPr id="59" name="Google Shape;59;p14"/>
+          <p:cNvPicPr preferRelativeResize="0"/>
+          <p:nvPr/>
+        </p:nvPicPr>
+        <p:blipFill rotWithShape="1">
+          <a:blip r:embed="rId4">
+            <a:alphaModFix/>
+          </a:blip>
+          <a:srcRect b="6539" l="0" r="62930" t="6730"/>
+          <a:stretch/>
+        </p:blipFill>
+        <p:spPr>
+          <a:xfrm>
+            <a:off x="56600" y="498400"/>
+            <a:ext cx="2305175" cy="4461200"/>
+          </a:xfrm>
+          <a:prstGeom prst="rect">
+            <a:avLst/>
+          </a:prstGeom>
+          <a:noFill/>
+          <a:ln>
+            <a:noFill/>
+          </a:ln>
+        </p:spPr>
+      </p:pic>
     </p:spTree>
   </p:cSld>
   <p:clrMapOvr>
@@ -6605,7 +6557,2103 @@
   <p:cSld>
     <p:spTree>
       <p:nvGrpSpPr>
-        <p:cNvPr id="62" name="Shape 62"/>
+        <p:cNvPr id="63" name="Shape 63"/>
+        <p:cNvGrpSpPr/>
+        <p:nvPr/>
+      </p:nvGrpSpPr>
+      <p:grpSpPr>
+        <a:xfrm>
+          <a:off x="0" y="0"/>
+          <a:ext cx="0" cy="0"/>
+          <a:chOff x="0" y="0"/>
+          <a:chExt cx="0" cy="0"/>
+        </a:xfrm>
+      </p:grpSpPr>
+      <p:sp>
+        <p:nvSpPr>
+          <p:cNvPr id="64" name="Google Shape;64;p15"/>
+          <p:cNvSpPr txBox="1"/>
+          <p:nvPr/>
+        </p:nvSpPr>
+        <p:spPr>
+          <a:xfrm>
+            <a:off x="178475" y="3973125"/>
+            <a:ext cx="2697600" cy="1108200"/>
+          </a:xfrm>
+          <a:prstGeom prst="rect">
+            <a:avLst/>
+          </a:prstGeom>
+          <a:noFill/>
+          <a:ln>
+            <a:noFill/>
+          </a:ln>
+        </p:spPr>
+        <p:txBody>
+          <a:bodyPr anchorCtr="0" anchor="t" bIns="91425" lIns="91425" spcFirstLastPara="1" rIns="91425" wrap="square" tIns="91425">
+            <a:spAutoFit/>
+          </a:bodyPr>
+          <a:lstStyle/>
+          <a:p>
+            <a:pPr indent="0" lvl="0" marL="0" rtl="0" algn="l">
+              <a:spcBef>
+                <a:spcPts val="0"/>
+              </a:spcBef>
+              <a:spcAft>
+                <a:spcPts val="0"/>
+              </a:spcAft>
+              <a:buNone/>
+            </a:pPr>
+            <a:r>
+              <a:rPr b="1" lang="fr" sz="1200">
+                <a:solidFill>
+                  <a:srgbClr val="8E7CC3"/>
+                </a:solidFill>
+                <a:latin typeface="Nunito"/>
+                <a:ea typeface="Nunito"/>
+                <a:cs typeface="Nunito"/>
+                <a:sym typeface="Nunito"/>
+              </a:rPr>
+              <a:t>AGE</a:t>
+            </a:r>
+            <a:r>
+              <a:rPr lang="fr" sz="1200">
+                <a:latin typeface="Nunito"/>
+                <a:ea typeface="Nunito"/>
+                <a:cs typeface="Nunito"/>
+                <a:sym typeface="Nunito"/>
+              </a:rPr>
+              <a:t> - </a:t>
+            </a:r>
+            <a:r>
+              <a:rPr lang="fr" sz="1200">
+                <a:latin typeface="Nunito"/>
+                <a:ea typeface="Nunito"/>
+                <a:cs typeface="Nunito"/>
+                <a:sym typeface="Nunito"/>
+              </a:rPr>
+              <a:t>32 years old</a:t>
+            </a:r>
+            <a:endParaRPr sz="1200">
+              <a:latin typeface="Nunito"/>
+              <a:ea typeface="Nunito"/>
+              <a:cs typeface="Nunito"/>
+              <a:sym typeface="Nunito"/>
+            </a:endParaRPr>
+          </a:p>
+          <a:p>
+            <a:pPr indent="0" lvl="0" marL="0" rtl="0" algn="l">
+              <a:spcBef>
+                <a:spcPts val="0"/>
+              </a:spcBef>
+              <a:spcAft>
+                <a:spcPts val="0"/>
+              </a:spcAft>
+              <a:buNone/>
+            </a:pPr>
+            <a:r>
+              <a:rPr b="1" lang="fr" sz="1200">
+                <a:solidFill>
+                  <a:srgbClr val="8E7CC3"/>
+                </a:solidFill>
+                <a:latin typeface="Nunito"/>
+                <a:ea typeface="Nunito"/>
+                <a:cs typeface="Nunito"/>
+                <a:sym typeface="Nunito"/>
+              </a:rPr>
+              <a:t>JOB</a:t>
+            </a:r>
+            <a:r>
+              <a:rPr lang="fr" sz="1200">
+                <a:latin typeface="Nunito"/>
+                <a:ea typeface="Nunito"/>
+                <a:cs typeface="Nunito"/>
+                <a:sym typeface="Nunito"/>
+              </a:rPr>
+              <a:t> - Freelance Web Designer</a:t>
+            </a:r>
+            <a:endParaRPr sz="1200">
+              <a:latin typeface="Nunito"/>
+              <a:ea typeface="Nunito"/>
+              <a:cs typeface="Nunito"/>
+              <a:sym typeface="Nunito"/>
+            </a:endParaRPr>
+          </a:p>
+          <a:p>
+            <a:pPr indent="0" lvl="0" marL="0" rtl="0" algn="l">
+              <a:spcBef>
+                <a:spcPts val="0"/>
+              </a:spcBef>
+              <a:spcAft>
+                <a:spcPts val="0"/>
+              </a:spcAft>
+              <a:buNone/>
+            </a:pPr>
+            <a:r>
+              <a:rPr b="1" lang="fr" sz="1200">
+                <a:solidFill>
+                  <a:srgbClr val="8E7CC3"/>
+                </a:solidFill>
+                <a:latin typeface="Nunito"/>
+                <a:ea typeface="Nunito"/>
+                <a:cs typeface="Nunito"/>
+                <a:sym typeface="Nunito"/>
+              </a:rPr>
+              <a:t>FAMILY</a:t>
+            </a:r>
+            <a:r>
+              <a:rPr lang="fr" sz="1200">
+                <a:latin typeface="Nunito"/>
+                <a:ea typeface="Nunito"/>
+                <a:cs typeface="Nunito"/>
+                <a:sym typeface="Nunito"/>
+              </a:rPr>
+              <a:t> - Single</a:t>
+            </a:r>
+            <a:endParaRPr sz="1200">
+              <a:latin typeface="Nunito"/>
+              <a:ea typeface="Nunito"/>
+              <a:cs typeface="Nunito"/>
+              <a:sym typeface="Nunito"/>
+            </a:endParaRPr>
+          </a:p>
+          <a:p>
+            <a:pPr indent="0" lvl="0" marL="0" rtl="0" algn="l">
+              <a:spcBef>
+                <a:spcPts val="0"/>
+              </a:spcBef>
+              <a:spcAft>
+                <a:spcPts val="0"/>
+              </a:spcAft>
+              <a:buNone/>
+            </a:pPr>
+            <a:r>
+              <a:rPr b="1" lang="fr" sz="1200">
+                <a:solidFill>
+                  <a:srgbClr val="8E7CC3"/>
+                </a:solidFill>
+                <a:latin typeface="Nunito"/>
+                <a:ea typeface="Nunito"/>
+                <a:cs typeface="Nunito"/>
+                <a:sym typeface="Nunito"/>
+              </a:rPr>
+              <a:t>LOCATION</a:t>
+            </a:r>
+            <a:r>
+              <a:rPr lang="fr" sz="1200">
+                <a:latin typeface="Nunito"/>
+                <a:ea typeface="Nunito"/>
+                <a:cs typeface="Nunito"/>
+                <a:sym typeface="Nunito"/>
+              </a:rPr>
+              <a:t> - London</a:t>
+            </a:r>
+            <a:endParaRPr sz="1200">
+              <a:latin typeface="Nunito"/>
+              <a:ea typeface="Nunito"/>
+              <a:cs typeface="Nunito"/>
+              <a:sym typeface="Nunito"/>
+            </a:endParaRPr>
+          </a:p>
+          <a:p>
+            <a:pPr indent="0" lvl="0" marL="0" rtl="0" algn="l">
+              <a:spcBef>
+                <a:spcPts val="0"/>
+              </a:spcBef>
+              <a:spcAft>
+                <a:spcPts val="0"/>
+              </a:spcAft>
+              <a:buNone/>
+            </a:pPr>
+            <a:r>
+              <a:rPr b="1" lang="fr" sz="1200">
+                <a:solidFill>
+                  <a:srgbClr val="8E7CC3"/>
+                </a:solidFill>
+                <a:latin typeface="Nunito"/>
+                <a:ea typeface="Nunito"/>
+                <a:cs typeface="Nunito"/>
+                <a:sym typeface="Nunito"/>
+              </a:rPr>
+              <a:t>ARCHETYPE</a:t>
+            </a:r>
+            <a:r>
+              <a:rPr lang="fr" sz="1200">
+                <a:latin typeface="Nunito"/>
+                <a:ea typeface="Nunito"/>
+                <a:cs typeface="Nunito"/>
+                <a:sym typeface="Nunito"/>
+              </a:rPr>
+              <a:t> - Motley Music Lover</a:t>
+            </a:r>
+            <a:endParaRPr sz="1200">
+              <a:latin typeface="Nunito"/>
+              <a:ea typeface="Nunito"/>
+              <a:cs typeface="Nunito"/>
+              <a:sym typeface="Nunito"/>
+            </a:endParaRPr>
+          </a:p>
+        </p:txBody>
+      </p:sp>
+      <p:pic>
+        <p:nvPicPr>
+          <p:cNvPr id="65" name="Google Shape;65;p15"/>
+          <p:cNvPicPr preferRelativeResize="0"/>
+          <p:nvPr/>
+        </p:nvPicPr>
+        <p:blipFill rotWithShape="1">
+          <a:blip r:embed="rId3">
+            <a:alphaModFix/>
+          </a:blip>
+          <a:srcRect b="0" l="-559" r="579" t="0"/>
+          <a:stretch/>
+        </p:blipFill>
+        <p:spPr>
+          <a:xfrm>
+            <a:off x="178450" y="931625"/>
+            <a:ext cx="2697600" cy="1962800"/>
+          </a:xfrm>
+          <a:prstGeom prst="rect">
+            <a:avLst/>
+          </a:prstGeom>
+          <a:noFill/>
+          <a:ln>
+            <a:noFill/>
+          </a:ln>
+        </p:spPr>
+      </p:pic>
+      <p:sp>
+        <p:nvSpPr>
+          <p:cNvPr id="66" name="Google Shape;66;p15"/>
+          <p:cNvSpPr txBox="1"/>
+          <p:nvPr/>
+        </p:nvSpPr>
+        <p:spPr>
+          <a:xfrm>
+            <a:off x="178450" y="58350"/>
+            <a:ext cx="5164500" cy="800400"/>
+          </a:xfrm>
+          <a:prstGeom prst="rect">
+            <a:avLst/>
+          </a:prstGeom>
+          <a:solidFill>
+            <a:srgbClr val="B4A7D6"/>
+          </a:solidFill>
+          <a:ln>
+            <a:noFill/>
+          </a:ln>
+        </p:spPr>
+        <p:txBody>
+          <a:bodyPr anchorCtr="0" anchor="t" bIns="91425" lIns="91425" spcFirstLastPara="1" rIns="91425" wrap="square" tIns="91425">
+            <a:spAutoFit/>
+          </a:bodyPr>
+          <a:lstStyle/>
+          <a:p>
+            <a:pPr indent="0" lvl="0" marL="0" rtl="0" algn="ctr">
+              <a:spcBef>
+                <a:spcPts val="0"/>
+              </a:spcBef>
+              <a:spcAft>
+                <a:spcPts val="0"/>
+              </a:spcAft>
+              <a:buNone/>
+            </a:pPr>
+            <a:r>
+              <a:rPr lang="fr" sz="4000">
+                <a:solidFill>
+                  <a:srgbClr val="434343"/>
+                </a:solidFill>
+                <a:latin typeface="Spartan"/>
+                <a:ea typeface="Spartan"/>
+                <a:cs typeface="Spartan"/>
+                <a:sym typeface="Spartan"/>
+              </a:rPr>
+              <a:t>HARRY</a:t>
+            </a:r>
+            <a:endParaRPr sz="4000">
+              <a:solidFill>
+                <a:srgbClr val="434343"/>
+              </a:solidFill>
+              <a:latin typeface="Spartan"/>
+              <a:ea typeface="Spartan"/>
+              <a:cs typeface="Spartan"/>
+              <a:sym typeface="Spartan"/>
+            </a:endParaRPr>
+          </a:p>
+        </p:txBody>
+      </p:sp>
+      <p:sp>
+        <p:nvSpPr>
+          <p:cNvPr id="67" name="Google Shape;67;p15"/>
+          <p:cNvSpPr txBox="1"/>
+          <p:nvPr/>
+        </p:nvSpPr>
+        <p:spPr>
+          <a:xfrm>
+            <a:off x="178450" y="2981907"/>
+            <a:ext cx="2697600" cy="923400"/>
+          </a:xfrm>
+          <a:prstGeom prst="rect">
+            <a:avLst/>
+          </a:prstGeom>
+          <a:solidFill>
+            <a:srgbClr val="B4A7D6"/>
+          </a:solidFill>
+          <a:ln>
+            <a:noFill/>
+          </a:ln>
+        </p:spPr>
+        <p:txBody>
+          <a:bodyPr anchorCtr="0" anchor="t" bIns="91425" lIns="91425" spcFirstLastPara="1" rIns="91425" wrap="square" tIns="91425">
+            <a:spAutoFit/>
+          </a:bodyPr>
+          <a:lstStyle/>
+          <a:p>
+            <a:pPr indent="0" lvl="0" marL="0" rtl="0" algn="ctr">
+              <a:spcBef>
+                <a:spcPts val="0"/>
+              </a:spcBef>
+              <a:spcAft>
+                <a:spcPts val="0"/>
+              </a:spcAft>
+              <a:buNone/>
+            </a:pPr>
+            <a:r>
+              <a:rPr lang="fr" sz="1200">
+                <a:latin typeface="Nunito"/>
+                <a:ea typeface="Nunito"/>
+                <a:cs typeface="Nunito"/>
+                <a:sym typeface="Nunito"/>
+              </a:rPr>
+              <a:t>I want to find an interactive and collaborative tool that will allow me to discover new music and share it with a community of music lovers.</a:t>
+            </a:r>
+            <a:endParaRPr sz="1200">
+              <a:latin typeface="Nunito"/>
+              <a:ea typeface="Nunito"/>
+              <a:cs typeface="Nunito"/>
+              <a:sym typeface="Nunito"/>
+            </a:endParaRPr>
+          </a:p>
+        </p:txBody>
+      </p:sp>
+      <p:sp>
+        <p:nvSpPr>
+          <p:cNvPr id="68" name="Google Shape;68;p15"/>
+          <p:cNvSpPr txBox="1"/>
+          <p:nvPr/>
+        </p:nvSpPr>
+        <p:spPr>
+          <a:xfrm>
+            <a:off x="2981025" y="944735"/>
+            <a:ext cx="2697600" cy="1908600"/>
+          </a:xfrm>
+          <a:prstGeom prst="rect">
+            <a:avLst/>
+          </a:prstGeom>
+          <a:solidFill>
+            <a:srgbClr val="EFEFEF"/>
+          </a:solidFill>
+          <a:ln>
+            <a:noFill/>
+          </a:ln>
+        </p:spPr>
+        <p:txBody>
+          <a:bodyPr anchorCtr="0" anchor="t" bIns="91425" lIns="91425" spcFirstLastPara="1" rIns="91425" wrap="square" tIns="91425">
+            <a:spAutoFit/>
+          </a:bodyPr>
+          <a:lstStyle/>
+          <a:p>
+            <a:pPr indent="0" lvl="0" marL="0" rtl="0" algn="l">
+              <a:spcBef>
+                <a:spcPts val="0"/>
+              </a:spcBef>
+              <a:spcAft>
+                <a:spcPts val="0"/>
+              </a:spcAft>
+              <a:buNone/>
+            </a:pPr>
+            <a:r>
+              <a:rPr b="1" lang="fr" sz="1600">
+                <a:solidFill>
+                  <a:srgbClr val="8E7CC3"/>
+                </a:solidFill>
+                <a:latin typeface="Nunito"/>
+                <a:ea typeface="Nunito"/>
+                <a:cs typeface="Nunito"/>
+                <a:sym typeface="Nunito"/>
+              </a:rPr>
+              <a:t>BIO</a:t>
+            </a:r>
+            <a:endParaRPr b="1" sz="1600">
+              <a:solidFill>
+                <a:srgbClr val="8E7CC3"/>
+              </a:solidFill>
+              <a:latin typeface="Nunito"/>
+              <a:ea typeface="Nunito"/>
+              <a:cs typeface="Nunito"/>
+              <a:sym typeface="Nunito"/>
+            </a:endParaRPr>
+          </a:p>
+          <a:p>
+            <a:pPr indent="0" lvl="0" marL="0" rtl="0" algn="l">
+              <a:spcBef>
+                <a:spcPts val="0"/>
+              </a:spcBef>
+              <a:spcAft>
+                <a:spcPts val="0"/>
+              </a:spcAft>
+              <a:buNone/>
+            </a:pPr>
+            <a:r>
+              <a:t/>
+            </a:r>
+            <a:endParaRPr b="1" sz="600">
+              <a:solidFill>
+                <a:srgbClr val="81D0EA"/>
+              </a:solidFill>
+              <a:latin typeface="Nunito"/>
+              <a:ea typeface="Nunito"/>
+              <a:cs typeface="Nunito"/>
+              <a:sym typeface="Nunito"/>
+            </a:endParaRPr>
+          </a:p>
+          <a:p>
+            <a:pPr indent="0" lvl="0" marL="0" rtl="0" algn="l">
+              <a:spcBef>
+                <a:spcPts val="0"/>
+              </a:spcBef>
+              <a:spcAft>
+                <a:spcPts val="0"/>
+              </a:spcAft>
+              <a:buNone/>
+            </a:pPr>
+            <a:r>
+              <a:rPr lang="fr" sz="1000">
+                <a:latin typeface="Nunito"/>
+                <a:ea typeface="Nunito"/>
+                <a:cs typeface="Nunito"/>
+                <a:sym typeface="Nunito"/>
+              </a:rPr>
+              <a:t>Harry is a nomad worker, freelancing as web designer. He travels a lot, always with headphones on his ears. Wherever he goes, he loves to party and discover local music. As an heteroclite music lover, he feels frustrated with the apps and tools he uses to listen and discover music : it never reflects the diversity he loves. </a:t>
+            </a:r>
+            <a:endParaRPr sz="1000">
+              <a:latin typeface="Nunito"/>
+              <a:ea typeface="Nunito"/>
+              <a:cs typeface="Nunito"/>
+              <a:sym typeface="Nunito"/>
+            </a:endParaRPr>
+          </a:p>
+          <a:p>
+            <a:pPr indent="0" lvl="0" marL="0" rtl="0" algn="l">
+              <a:spcBef>
+                <a:spcPts val="0"/>
+              </a:spcBef>
+              <a:spcAft>
+                <a:spcPts val="0"/>
+              </a:spcAft>
+              <a:buNone/>
+            </a:pPr>
+            <a:r>
+              <a:t/>
+            </a:r>
+            <a:endParaRPr sz="1000">
+              <a:latin typeface="Nunito"/>
+              <a:ea typeface="Nunito"/>
+              <a:cs typeface="Nunito"/>
+              <a:sym typeface="Nunito"/>
+            </a:endParaRPr>
+          </a:p>
+        </p:txBody>
+      </p:sp>
+      <p:sp>
+        <p:nvSpPr>
+          <p:cNvPr id="69" name="Google Shape;69;p15"/>
+          <p:cNvSpPr txBox="1"/>
+          <p:nvPr/>
+        </p:nvSpPr>
+        <p:spPr>
+          <a:xfrm>
+            <a:off x="2981025" y="2894429"/>
+            <a:ext cx="2697600" cy="2062500"/>
+          </a:xfrm>
+          <a:prstGeom prst="rect">
+            <a:avLst/>
+          </a:prstGeom>
+          <a:solidFill>
+            <a:srgbClr val="FFFFFF"/>
+          </a:solidFill>
+          <a:ln>
+            <a:noFill/>
+          </a:ln>
+        </p:spPr>
+        <p:txBody>
+          <a:bodyPr anchorCtr="0" anchor="t" bIns="91425" lIns="91425" spcFirstLastPara="1" rIns="91425" wrap="square" tIns="91425">
+            <a:spAutoFit/>
+          </a:bodyPr>
+          <a:lstStyle/>
+          <a:p>
+            <a:pPr indent="0" lvl="0" marL="0" rtl="0" algn="l">
+              <a:spcBef>
+                <a:spcPts val="0"/>
+              </a:spcBef>
+              <a:spcAft>
+                <a:spcPts val="0"/>
+              </a:spcAft>
+              <a:buNone/>
+            </a:pPr>
+            <a:r>
+              <a:rPr b="1" lang="fr" sz="1600">
+                <a:solidFill>
+                  <a:srgbClr val="8E7CC3"/>
+                </a:solidFill>
+                <a:latin typeface="Nunito"/>
+                <a:ea typeface="Nunito"/>
+                <a:cs typeface="Nunito"/>
+                <a:sym typeface="Nunito"/>
+              </a:rPr>
+              <a:t>PERSONALITY</a:t>
+            </a:r>
+            <a:endParaRPr b="1" sz="1600">
+              <a:solidFill>
+                <a:srgbClr val="8E7CC3"/>
+              </a:solidFill>
+              <a:latin typeface="Nunito"/>
+              <a:ea typeface="Nunito"/>
+              <a:cs typeface="Nunito"/>
+              <a:sym typeface="Nunito"/>
+            </a:endParaRPr>
+          </a:p>
+          <a:p>
+            <a:pPr indent="0" lvl="0" marL="0" rtl="0" algn="l">
+              <a:spcBef>
+                <a:spcPts val="0"/>
+              </a:spcBef>
+              <a:spcAft>
+                <a:spcPts val="0"/>
+              </a:spcAft>
+              <a:buNone/>
+            </a:pPr>
+            <a:r>
+              <a:t/>
+            </a:r>
+            <a:endParaRPr b="1" sz="600">
+              <a:solidFill>
+                <a:srgbClr val="81D0EA"/>
+              </a:solidFill>
+              <a:latin typeface="Nunito"/>
+              <a:ea typeface="Nunito"/>
+              <a:cs typeface="Nunito"/>
+              <a:sym typeface="Nunito"/>
+            </a:endParaRPr>
+          </a:p>
+          <a:p>
+            <a:pPr indent="0" lvl="0" marL="0" rtl="0" algn="l">
+              <a:spcBef>
+                <a:spcPts val="0"/>
+              </a:spcBef>
+              <a:spcAft>
+                <a:spcPts val="0"/>
+              </a:spcAft>
+              <a:buNone/>
+            </a:pPr>
+            <a:r>
+              <a:t/>
+            </a:r>
+            <a:endParaRPr sz="1000">
+              <a:latin typeface="Nunito"/>
+              <a:ea typeface="Nunito"/>
+              <a:cs typeface="Nunito"/>
+              <a:sym typeface="Nunito"/>
+            </a:endParaRPr>
+          </a:p>
+          <a:p>
+            <a:pPr indent="0" lvl="0" marL="0" rtl="0" algn="l">
+              <a:spcBef>
+                <a:spcPts val="0"/>
+              </a:spcBef>
+              <a:spcAft>
+                <a:spcPts val="0"/>
+              </a:spcAft>
+              <a:buNone/>
+            </a:pPr>
+            <a:r>
+              <a:t/>
+            </a:r>
+            <a:endParaRPr sz="1000">
+              <a:latin typeface="Nunito"/>
+              <a:ea typeface="Nunito"/>
+              <a:cs typeface="Nunito"/>
+              <a:sym typeface="Nunito"/>
+            </a:endParaRPr>
+          </a:p>
+          <a:p>
+            <a:pPr indent="0" lvl="0" marL="0" rtl="0" algn="l">
+              <a:spcBef>
+                <a:spcPts val="0"/>
+              </a:spcBef>
+              <a:spcAft>
+                <a:spcPts val="0"/>
+              </a:spcAft>
+              <a:buNone/>
+            </a:pPr>
+            <a:r>
+              <a:t/>
+            </a:r>
+            <a:endParaRPr sz="1000">
+              <a:latin typeface="Nunito"/>
+              <a:ea typeface="Nunito"/>
+              <a:cs typeface="Nunito"/>
+              <a:sym typeface="Nunito"/>
+            </a:endParaRPr>
+          </a:p>
+          <a:p>
+            <a:pPr indent="0" lvl="0" marL="0" rtl="0" algn="l">
+              <a:spcBef>
+                <a:spcPts val="0"/>
+              </a:spcBef>
+              <a:spcAft>
+                <a:spcPts val="0"/>
+              </a:spcAft>
+              <a:buNone/>
+            </a:pPr>
+            <a:r>
+              <a:t/>
+            </a:r>
+            <a:endParaRPr sz="1000">
+              <a:latin typeface="Nunito"/>
+              <a:ea typeface="Nunito"/>
+              <a:cs typeface="Nunito"/>
+              <a:sym typeface="Nunito"/>
+            </a:endParaRPr>
+          </a:p>
+          <a:p>
+            <a:pPr indent="0" lvl="0" marL="0" rtl="0" algn="l">
+              <a:spcBef>
+                <a:spcPts val="0"/>
+              </a:spcBef>
+              <a:spcAft>
+                <a:spcPts val="0"/>
+              </a:spcAft>
+              <a:buNone/>
+            </a:pPr>
+            <a:r>
+              <a:t/>
+            </a:r>
+            <a:endParaRPr sz="1000">
+              <a:latin typeface="Nunito"/>
+              <a:ea typeface="Nunito"/>
+              <a:cs typeface="Nunito"/>
+              <a:sym typeface="Nunito"/>
+            </a:endParaRPr>
+          </a:p>
+          <a:p>
+            <a:pPr indent="0" lvl="0" marL="0" rtl="0" algn="l">
+              <a:spcBef>
+                <a:spcPts val="0"/>
+              </a:spcBef>
+              <a:spcAft>
+                <a:spcPts val="0"/>
+              </a:spcAft>
+              <a:buNone/>
+            </a:pPr>
+            <a:r>
+              <a:t/>
+            </a:r>
+            <a:endParaRPr sz="1000">
+              <a:latin typeface="Nunito"/>
+              <a:ea typeface="Nunito"/>
+              <a:cs typeface="Nunito"/>
+              <a:sym typeface="Nunito"/>
+            </a:endParaRPr>
+          </a:p>
+          <a:p>
+            <a:pPr indent="0" lvl="0" marL="0" rtl="0" algn="l">
+              <a:spcBef>
+                <a:spcPts val="0"/>
+              </a:spcBef>
+              <a:spcAft>
+                <a:spcPts val="0"/>
+              </a:spcAft>
+              <a:buNone/>
+            </a:pPr>
+            <a:r>
+              <a:t/>
+            </a:r>
+            <a:endParaRPr sz="1000">
+              <a:latin typeface="Nunito"/>
+              <a:ea typeface="Nunito"/>
+              <a:cs typeface="Nunito"/>
+              <a:sym typeface="Nunito"/>
+            </a:endParaRPr>
+          </a:p>
+          <a:p>
+            <a:pPr indent="0" lvl="0" marL="0" rtl="0" algn="l">
+              <a:spcBef>
+                <a:spcPts val="0"/>
+              </a:spcBef>
+              <a:spcAft>
+                <a:spcPts val="0"/>
+              </a:spcAft>
+              <a:buNone/>
+            </a:pPr>
+            <a:r>
+              <a:t/>
+            </a:r>
+            <a:endParaRPr sz="1000">
+              <a:latin typeface="Nunito"/>
+              <a:ea typeface="Nunito"/>
+              <a:cs typeface="Nunito"/>
+              <a:sym typeface="Nunito"/>
+            </a:endParaRPr>
+          </a:p>
+          <a:p>
+            <a:pPr indent="0" lvl="0" marL="0" rtl="0" algn="l">
+              <a:spcBef>
+                <a:spcPts val="0"/>
+              </a:spcBef>
+              <a:spcAft>
+                <a:spcPts val="0"/>
+              </a:spcAft>
+              <a:buNone/>
+            </a:pPr>
+            <a:r>
+              <a:t/>
+            </a:r>
+            <a:endParaRPr sz="1000">
+              <a:latin typeface="Nunito"/>
+              <a:ea typeface="Nunito"/>
+              <a:cs typeface="Nunito"/>
+              <a:sym typeface="Nunito"/>
+            </a:endParaRPr>
+          </a:p>
+          <a:p>
+            <a:pPr indent="0" lvl="0" marL="0" rtl="0" algn="l">
+              <a:spcBef>
+                <a:spcPts val="0"/>
+              </a:spcBef>
+              <a:spcAft>
+                <a:spcPts val="0"/>
+              </a:spcAft>
+              <a:buNone/>
+            </a:pPr>
+            <a:r>
+              <a:t/>
+            </a:r>
+            <a:endParaRPr sz="1000">
+              <a:latin typeface="Nunito"/>
+              <a:ea typeface="Nunito"/>
+              <a:cs typeface="Nunito"/>
+              <a:sym typeface="Nunito"/>
+            </a:endParaRPr>
+          </a:p>
+        </p:txBody>
+      </p:sp>
+      <p:sp>
+        <p:nvSpPr>
+          <p:cNvPr id="70" name="Google Shape;70;p15"/>
+          <p:cNvSpPr/>
+          <p:nvPr/>
+        </p:nvSpPr>
+        <p:spPr>
+          <a:xfrm>
+            <a:off x="3075375" y="3571675"/>
+            <a:ext cx="2508900" cy="168000"/>
+          </a:xfrm>
+          <a:prstGeom prst="rect">
+            <a:avLst/>
+          </a:prstGeom>
+          <a:solidFill>
+            <a:schemeClr val="lt2"/>
+          </a:solidFill>
+          <a:ln>
+            <a:noFill/>
+          </a:ln>
+        </p:spPr>
+        <p:txBody>
+          <a:bodyPr anchorCtr="0" anchor="ctr" bIns="91425" lIns="91425" spcFirstLastPara="1" rIns="91425" wrap="square" tIns="91425">
+            <a:noAutofit/>
+          </a:bodyPr>
+          <a:lstStyle/>
+          <a:p>
+            <a:pPr indent="0" lvl="0" marL="0" rtl="0" algn="l">
+              <a:spcBef>
+                <a:spcPts val="0"/>
+              </a:spcBef>
+              <a:spcAft>
+                <a:spcPts val="0"/>
+              </a:spcAft>
+              <a:buNone/>
+            </a:pPr>
+            <a:r>
+              <a:t/>
+            </a:r>
+            <a:endParaRPr/>
+          </a:p>
+        </p:txBody>
+      </p:sp>
+      <p:sp>
+        <p:nvSpPr>
+          <p:cNvPr id="71" name="Google Shape;71;p15"/>
+          <p:cNvSpPr txBox="1"/>
+          <p:nvPr/>
+        </p:nvSpPr>
+        <p:spPr>
+          <a:xfrm>
+            <a:off x="3023100" y="3318344"/>
+            <a:ext cx="1165200" cy="323100"/>
+          </a:xfrm>
+          <a:prstGeom prst="rect">
+            <a:avLst/>
+          </a:prstGeom>
+          <a:noFill/>
+          <a:ln>
+            <a:noFill/>
+          </a:ln>
+        </p:spPr>
+        <p:txBody>
+          <a:bodyPr anchorCtr="0" anchor="t" bIns="91425" lIns="91425" spcFirstLastPara="1" rIns="91425" wrap="square" tIns="91425">
+            <a:spAutoFit/>
+          </a:bodyPr>
+          <a:lstStyle/>
+          <a:p>
+            <a:pPr indent="0" lvl="0" marL="0" rtl="0" algn="l">
+              <a:spcBef>
+                <a:spcPts val="0"/>
+              </a:spcBef>
+              <a:spcAft>
+                <a:spcPts val="0"/>
+              </a:spcAft>
+              <a:buNone/>
+            </a:pPr>
+            <a:r>
+              <a:rPr lang="fr" sz="900">
+                <a:latin typeface="Nunito"/>
+                <a:ea typeface="Nunito"/>
+                <a:cs typeface="Nunito"/>
+                <a:sym typeface="Nunito"/>
+              </a:rPr>
+              <a:t>Introvert</a:t>
+            </a:r>
+            <a:endParaRPr sz="900">
+              <a:latin typeface="Nunito"/>
+              <a:ea typeface="Nunito"/>
+              <a:cs typeface="Nunito"/>
+              <a:sym typeface="Nunito"/>
+            </a:endParaRPr>
+          </a:p>
+        </p:txBody>
+      </p:sp>
+      <p:sp>
+        <p:nvSpPr>
+          <p:cNvPr id="72" name="Google Shape;72;p15"/>
+          <p:cNvSpPr txBox="1"/>
+          <p:nvPr/>
+        </p:nvSpPr>
+        <p:spPr>
+          <a:xfrm>
+            <a:off x="4471700" y="3318344"/>
+            <a:ext cx="1165200" cy="323100"/>
+          </a:xfrm>
+          <a:prstGeom prst="rect">
+            <a:avLst/>
+          </a:prstGeom>
+          <a:noFill/>
+          <a:ln>
+            <a:noFill/>
+          </a:ln>
+        </p:spPr>
+        <p:txBody>
+          <a:bodyPr anchorCtr="0" anchor="t" bIns="91425" lIns="91425" spcFirstLastPara="1" rIns="91425" wrap="square" tIns="91425">
+            <a:spAutoFit/>
+          </a:bodyPr>
+          <a:lstStyle/>
+          <a:p>
+            <a:pPr indent="0" lvl="0" marL="0" rtl="0" algn="r">
+              <a:spcBef>
+                <a:spcPts val="0"/>
+              </a:spcBef>
+              <a:spcAft>
+                <a:spcPts val="0"/>
+              </a:spcAft>
+              <a:buNone/>
+            </a:pPr>
+            <a:r>
+              <a:rPr lang="fr" sz="900">
+                <a:latin typeface="Nunito"/>
+                <a:ea typeface="Nunito"/>
+                <a:cs typeface="Nunito"/>
+                <a:sym typeface="Nunito"/>
+              </a:rPr>
+              <a:t>Extravert</a:t>
+            </a:r>
+            <a:endParaRPr sz="900">
+              <a:latin typeface="Nunito"/>
+              <a:ea typeface="Nunito"/>
+              <a:cs typeface="Nunito"/>
+              <a:sym typeface="Nunito"/>
+            </a:endParaRPr>
+          </a:p>
+        </p:txBody>
+      </p:sp>
+      <p:sp>
+        <p:nvSpPr>
+          <p:cNvPr id="73" name="Google Shape;73;p15"/>
+          <p:cNvSpPr/>
+          <p:nvPr/>
+        </p:nvSpPr>
+        <p:spPr>
+          <a:xfrm>
+            <a:off x="4650150" y="3579450"/>
+            <a:ext cx="147000" cy="157500"/>
+          </a:xfrm>
+          <a:prstGeom prst="rect">
+            <a:avLst/>
+          </a:prstGeom>
+          <a:solidFill>
+            <a:srgbClr val="8E7CC3"/>
+          </a:solidFill>
+          <a:ln cap="flat" cmpd="sng" w="9525">
+            <a:solidFill>
+              <a:schemeClr val="dk2"/>
+            </a:solidFill>
+            <a:prstDash val="solid"/>
+            <a:round/>
+            <a:headEnd len="sm" w="sm" type="none"/>
+            <a:tailEnd len="sm" w="sm" type="none"/>
+          </a:ln>
+        </p:spPr>
+        <p:txBody>
+          <a:bodyPr anchorCtr="0" anchor="ctr" bIns="91425" lIns="91425" spcFirstLastPara="1" rIns="91425" wrap="square" tIns="91425">
+            <a:noAutofit/>
+          </a:bodyPr>
+          <a:lstStyle/>
+          <a:p>
+            <a:pPr indent="0" lvl="0" marL="0" rtl="0" algn="l">
+              <a:spcBef>
+                <a:spcPts val="0"/>
+              </a:spcBef>
+              <a:spcAft>
+                <a:spcPts val="0"/>
+              </a:spcAft>
+              <a:buNone/>
+            </a:pPr>
+            <a:r>
+              <a:t/>
+            </a:r>
+            <a:endParaRPr/>
+          </a:p>
+        </p:txBody>
+      </p:sp>
+      <p:sp>
+        <p:nvSpPr>
+          <p:cNvPr id="74" name="Google Shape;74;p15"/>
+          <p:cNvSpPr/>
+          <p:nvPr/>
+        </p:nvSpPr>
+        <p:spPr>
+          <a:xfrm>
+            <a:off x="3075200" y="3993000"/>
+            <a:ext cx="2508900" cy="168000"/>
+          </a:xfrm>
+          <a:prstGeom prst="rect">
+            <a:avLst/>
+          </a:prstGeom>
+          <a:solidFill>
+            <a:schemeClr val="lt2"/>
+          </a:solidFill>
+          <a:ln>
+            <a:noFill/>
+          </a:ln>
+        </p:spPr>
+        <p:txBody>
+          <a:bodyPr anchorCtr="0" anchor="ctr" bIns="91425" lIns="91425" spcFirstLastPara="1" rIns="91425" wrap="square" tIns="91425">
+            <a:noAutofit/>
+          </a:bodyPr>
+          <a:lstStyle/>
+          <a:p>
+            <a:pPr indent="0" lvl="0" marL="0" rtl="0" algn="l">
+              <a:spcBef>
+                <a:spcPts val="0"/>
+              </a:spcBef>
+              <a:spcAft>
+                <a:spcPts val="0"/>
+              </a:spcAft>
+              <a:buNone/>
+            </a:pPr>
+            <a:r>
+              <a:t/>
+            </a:r>
+            <a:endParaRPr/>
+          </a:p>
+        </p:txBody>
+      </p:sp>
+      <p:sp>
+        <p:nvSpPr>
+          <p:cNvPr id="75" name="Google Shape;75;p15"/>
+          <p:cNvSpPr txBox="1"/>
+          <p:nvPr/>
+        </p:nvSpPr>
+        <p:spPr>
+          <a:xfrm>
+            <a:off x="3022925" y="3739669"/>
+            <a:ext cx="1165200" cy="323100"/>
+          </a:xfrm>
+          <a:prstGeom prst="rect">
+            <a:avLst/>
+          </a:prstGeom>
+          <a:noFill/>
+          <a:ln>
+            <a:noFill/>
+          </a:ln>
+        </p:spPr>
+        <p:txBody>
+          <a:bodyPr anchorCtr="0" anchor="t" bIns="91425" lIns="91425" spcFirstLastPara="1" rIns="91425" wrap="square" tIns="91425">
+            <a:spAutoFit/>
+          </a:bodyPr>
+          <a:lstStyle/>
+          <a:p>
+            <a:pPr indent="0" lvl="0" marL="0" rtl="0" algn="l">
+              <a:spcBef>
+                <a:spcPts val="0"/>
+              </a:spcBef>
+              <a:spcAft>
+                <a:spcPts val="0"/>
+              </a:spcAft>
+              <a:buNone/>
+            </a:pPr>
+            <a:r>
+              <a:rPr lang="fr" sz="900">
+                <a:latin typeface="Nunito"/>
+                <a:ea typeface="Nunito"/>
+                <a:cs typeface="Nunito"/>
+                <a:sym typeface="Nunito"/>
+              </a:rPr>
+              <a:t>Analytical</a:t>
+            </a:r>
+            <a:endParaRPr sz="900">
+              <a:latin typeface="Nunito"/>
+              <a:ea typeface="Nunito"/>
+              <a:cs typeface="Nunito"/>
+              <a:sym typeface="Nunito"/>
+            </a:endParaRPr>
+          </a:p>
+        </p:txBody>
+      </p:sp>
+      <p:sp>
+        <p:nvSpPr>
+          <p:cNvPr id="76" name="Google Shape;76;p15"/>
+          <p:cNvSpPr txBox="1"/>
+          <p:nvPr/>
+        </p:nvSpPr>
+        <p:spPr>
+          <a:xfrm>
+            <a:off x="4471525" y="3739669"/>
+            <a:ext cx="1165200" cy="323100"/>
+          </a:xfrm>
+          <a:prstGeom prst="rect">
+            <a:avLst/>
+          </a:prstGeom>
+          <a:noFill/>
+          <a:ln>
+            <a:noFill/>
+          </a:ln>
+        </p:spPr>
+        <p:txBody>
+          <a:bodyPr anchorCtr="0" anchor="t" bIns="91425" lIns="91425" spcFirstLastPara="1" rIns="91425" wrap="square" tIns="91425">
+            <a:spAutoFit/>
+          </a:bodyPr>
+          <a:lstStyle/>
+          <a:p>
+            <a:pPr indent="0" lvl="0" marL="0" rtl="0" algn="r">
+              <a:spcBef>
+                <a:spcPts val="0"/>
+              </a:spcBef>
+              <a:spcAft>
+                <a:spcPts val="0"/>
+              </a:spcAft>
+              <a:buNone/>
+            </a:pPr>
+            <a:r>
+              <a:rPr lang="fr" sz="900">
+                <a:latin typeface="Nunito"/>
+                <a:ea typeface="Nunito"/>
+                <a:cs typeface="Nunito"/>
+                <a:sym typeface="Nunito"/>
+              </a:rPr>
+              <a:t>Creative</a:t>
+            </a:r>
+            <a:endParaRPr sz="900">
+              <a:latin typeface="Nunito"/>
+              <a:ea typeface="Nunito"/>
+              <a:cs typeface="Nunito"/>
+              <a:sym typeface="Nunito"/>
+            </a:endParaRPr>
+          </a:p>
+        </p:txBody>
+      </p:sp>
+      <p:sp>
+        <p:nvSpPr>
+          <p:cNvPr id="77" name="Google Shape;77;p15"/>
+          <p:cNvSpPr/>
+          <p:nvPr/>
+        </p:nvSpPr>
+        <p:spPr>
+          <a:xfrm>
+            <a:off x="4878575" y="4000775"/>
+            <a:ext cx="147000" cy="157500"/>
+          </a:xfrm>
+          <a:prstGeom prst="rect">
+            <a:avLst/>
+          </a:prstGeom>
+          <a:solidFill>
+            <a:srgbClr val="8E7CC3"/>
+          </a:solidFill>
+          <a:ln cap="flat" cmpd="sng" w="9525">
+            <a:solidFill>
+              <a:schemeClr val="dk2"/>
+            </a:solidFill>
+            <a:prstDash val="solid"/>
+            <a:round/>
+            <a:headEnd len="sm" w="sm" type="none"/>
+            <a:tailEnd len="sm" w="sm" type="none"/>
+          </a:ln>
+        </p:spPr>
+        <p:txBody>
+          <a:bodyPr anchorCtr="0" anchor="ctr" bIns="91425" lIns="91425" spcFirstLastPara="1" rIns="91425" wrap="square" tIns="91425">
+            <a:noAutofit/>
+          </a:bodyPr>
+          <a:lstStyle/>
+          <a:p>
+            <a:pPr indent="0" lvl="0" marL="0" rtl="0" algn="l">
+              <a:spcBef>
+                <a:spcPts val="0"/>
+              </a:spcBef>
+              <a:spcAft>
+                <a:spcPts val="0"/>
+              </a:spcAft>
+              <a:buNone/>
+            </a:pPr>
+            <a:r>
+              <a:t/>
+            </a:r>
+            <a:endParaRPr/>
+          </a:p>
+        </p:txBody>
+      </p:sp>
+      <p:sp>
+        <p:nvSpPr>
+          <p:cNvPr id="78" name="Google Shape;78;p15"/>
+          <p:cNvSpPr/>
+          <p:nvPr/>
+        </p:nvSpPr>
+        <p:spPr>
+          <a:xfrm>
+            <a:off x="3075200" y="4414325"/>
+            <a:ext cx="2508900" cy="168000"/>
+          </a:xfrm>
+          <a:prstGeom prst="rect">
+            <a:avLst/>
+          </a:prstGeom>
+          <a:solidFill>
+            <a:schemeClr val="lt2"/>
+          </a:solidFill>
+          <a:ln>
+            <a:noFill/>
+          </a:ln>
+        </p:spPr>
+        <p:txBody>
+          <a:bodyPr anchorCtr="0" anchor="ctr" bIns="91425" lIns="91425" spcFirstLastPara="1" rIns="91425" wrap="square" tIns="91425">
+            <a:noAutofit/>
+          </a:bodyPr>
+          <a:lstStyle/>
+          <a:p>
+            <a:pPr indent="0" lvl="0" marL="0" rtl="0" algn="l">
+              <a:spcBef>
+                <a:spcPts val="0"/>
+              </a:spcBef>
+              <a:spcAft>
+                <a:spcPts val="0"/>
+              </a:spcAft>
+              <a:buNone/>
+            </a:pPr>
+            <a:r>
+              <a:t/>
+            </a:r>
+            <a:endParaRPr/>
+          </a:p>
+        </p:txBody>
+      </p:sp>
+      <p:sp>
+        <p:nvSpPr>
+          <p:cNvPr id="79" name="Google Shape;79;p15"/>
+          <p:cNvSpPr txBox="1"/>
+          <p:nvPr/>
+        </p:nvSpPr>
+        <p:spPr>
+          <a:xfrm>
+            <a:off x="3022925" y="4160994"/>
+            <a:ext cx="1165200" cy="323100"/>
+          </a:xfrm>
+          <a:prstGeom prst="rect">
+            <a:avLst/>
+          </a:prstGeom>
+          <a:noFill/>
+          <a:ln>
+            <a:noFill/>
+          </a:ln>
+        </p:spPr>
+        <p:txBody>
+          <a:bodyPr anchorCtr="0" anchor="t" bIns="91425" lIns="91425" spcFirstLastPara="1" rIns="91425" wrap="square" tIns="91425">
+            <a:spAutoFit/>
+          </a:bodyPr>
+          <a:lstStyle/>
+          <a:p>
+            <a:pPr indent="0" lvl="0" marL="0" rtl="0" algn="l">
+              <a:spcBef>
+                <a:spcPts val="0"/>
+              </a:spcBef>
+              <a:spcAft>
+                <a:spcPts val="0"/>
+              </a:spcAft>
+              <a:buNone/>
+            </a:pPr>
+            <a:r>
+              <a:rPr lang="fr" sz="900">
+                <a:latin typeface="Nunito"/>
+                <a:ea typeface="Nunito"/>
+                <a:cs typeface="Nunito"/>
+                <a:sym typeface="Nunito"/>
+              </a:rPr>
+              <a:t>Observative</a:t>
+            </a:r>
+            <a:endParaRPr sz="900">
+              <a:latin typeface="Nunito"/>
+              <a:ea typeface="Nunito"/>
+              <a:cs typeface="Nunito"/>
+              <a:sym typeface="Nunito"/>
+            </a:endParaRPr>
+          </a:p>
+        </p:txBody>
+      </p:sp>
+      <p:sp>
+        <p:nvSpPr>
+          <p:cNvPr id="80" name="Google Shape;80;p15"/>
+          <p:cNvSpPr txBox="1"/>
+          <p:nvPr/>
+        </p:nvSpPr>
+        <p:spPr>
+          <a:xfrm>
+            <a:off x="4471525" y="4160994"/>
+            <a:ext cx="1165200" cy="323100"/>
+          </a:xfrm>
+          <a:prstGeom prst="rect">
+            <a:avLst/>
+          </a:prstGeom>
+          <a:noFill/>
+          <a:ln>
+            <a:noFill/>
+          </a:ln>
+        </p:spPr>
+        <p:txBody>
+          <a:bodyPr anchorCtr="0" anchor="t" bIns="91425" lIns="91425" spcFirstLastPara="1" rIns="91425" wrap="square" tIns="91425">
+            <a:spAutoFit/>
+          </a:bodyPr>
+          <a:lstStyle/>
+          <a:p>
+            <a:pPr indent="0" lvl="0" marL="0" rtl="0" algn="r">
+              <a:spcBef>
+                <a:spcPts val="0"/>
+              </a:spcBef>
+              <a:spcAft>
+                <a:spcPts val="0"/>
+              </a:spcAft>
+              <a:buNone/>
+            </a:pPr>
+            <a:r>
+              <a:rPr lang="fr" sz="900">
+                <a:latin typeface="Nunito"/>
+                <a:ea typeface="Nunito"/>
+                <a:cs typeface="Nunito"/>
+                <a:sym typeface="Nunito"/>
+              </a:rPr>
+              <a:t>Intuitive</a:t>
+            </a:r>
+            <a:endParaRPr sz="900">
+              <a:latin typeface="Nunito"/>
+              <a:ea typeface="Nunito"/>
+              <a:cs typeface="Nunito"/>
+              <a:sym typeface="Nunito"/>
+            </a:endParaRPr>
+          </a:p>
+        </p:txBody>
+      </p:sp>
+      <p:sp>
+        <p:nvSpPr>
+          <p:cNvPr id="81" name="Google Shape;81;p15"/>
+          <p:cNvSpPr/>
+          <p:nvPr/>
+        </p:nvSpPr>
+        <p:spPr>
+          <a:xfrm>
+            <a:off x="4421375" y="4422100"/>
+            <a:ext cx="147000" cy="157500"/>
+          </a:xfrm>
+          <a:prstGeom prst="rect">
+            <a:avLst/>
+          </a:prstGeom>
+          <a:solidFill>
+            <a:srgbClr val="8E7CC3"/>
+          </a:solidFill>
+          <a:ln cap="flat" cmpd="sng" w="9525">
+            <a:solidFill>
+              <a:schemeClr val="dk2"/>
+            </a:solidFill>
+            <a:prstDash val="solid"/>
+            <a:round/>
+            <a:headEnd len="sm" w="sm" type="none"/>
+            <a:tailEnd len="sm" w="sm" type="none"/>
+          </a:ln>
+        </p:spPr>
+        <p:txBody>
+          <a:bodyPr anchorCtr="0" anchor="ctr" bIns="91425" lIns="91425" spcFirstLastPara="1" rIns="91425" wrap="square" tIns="91425">
+            <a:noAutofit/>
+          </a:bodyPr>
+          <a:lstStyle/>
+          <a:p>
+            <a:pPr indent="0" lvl="0" marL="0" rtl="0" algn="l">
+              <a:spcBef>
+                <a:spcPts val="0"/>
+              </a:spcBef>
+              <a:spcAft>
+                <a:spcPts val="0"/>
+              </a:spcAft>
+              <a:buNone/>
+            </a:pPr>
+            <a:r>
+              <a:t/>
+            </a:r>
+            <a:endParaRPr/>
+          </a:p>
+        </p:txBody>
+      </p:sp>
+      <p:sp>
+        <p:nvSpPr>
+          <p:cNvPr id="82" name="Google Shape;82;p15"/>
+          <p:cNvSpPr/>
+          <p:nvPr/>
+        </p:nvSpPr>
+        <p:spPr>
+          <a:xfrm>
+            <a:off x="3075200" y="4835650"/>
+            <a:ext cx="2508900" cy="168000"/>
+          </a:xfrm>
+          <a:prstGeom prst="rect">
+            <a:avLst/>
+          </a:prstGeom>
+          <a:solidFill>
+            <a:schemeClr val="lt2"/>
+          </a:solidFill>
+          <a:ln>
+            <a:noFill/>
+          </a:ln>
+        </p:spPr>
+        <p:txBody>
+          <a:bodyPr anchorCtr="0" anchor="ctr" bIns="91425" lIns="91425" spcFirstLastPara="1" rIns="91425" wrap="square" tIns="91425">
+            <a:noAutofit/>
+          </a:bodyPr>
+          <a:lstStyle/>
+          <a:p>
+            <a:pPr indent="0" lvl="0" marL="0" rtl="0" algn="l">
+              <a:spcBef>
+                <a:spcPts val="0"/>
+              </a:spcBef>
+              <a:spcAft>
+                <a:spcPts val="0"/>
+              </a:spcAft>
+              <a:buNone/>
+            </a:pPr>
+            <a:r>
+              <a:t/>
+            </a:r>
+            <a:endParaRPr/>
+          </a:p>
+        </p:txBody>
+      </p:sp>
+      <p:sp>
+        <p:nvSpPr>
+          <p:cNvPr id="83" name="Google Shape;83;p15"/>
+          <p:cNvSpPr txBox="1"/>
+          <p:nvPr/>
+        </p:nvSpPr>
+        <p:spPr>
+          <a:xfrm>
+            <a:off x="3022925" y="4582319"/>
+            <a:ext cx="1165200" cy="323100"/>
+          </a:xfrm>
+          <a:prstGeom prst="rect">
+            <a:avLst/>
+          </a:prstGeom>
+          <a:noFill/>
+          <a:ln>
+            <a:noFill/>
+          </a:ln>
+        </p:spPr>
+        <p:txBody>
+          <a:bodyPr anchorCtr="0" anchor="t" bIns="91425" lIns="91425" spcFirstLastPara="1" rIns="91425" wrap="square" tIns="91425">
+            <a:spAutoFit/>
+          </a:bodyPr>
+          <a:lstStyle/>
+          <a:p>
+            <a:pPr indent="0" lvl="0" marL="0" rtl="0" algn="l">
+              <a:spcBef>
+                <a:spcPts val="0"/>
+              </a:spcBef>
+              <a:spcAft>
+                <a:spcPts val="0"/>
+              </a:spcAft>
+              <a:buNone/>
+            </a:pPr>
+            <a:r>
+              <a:rPr lang="fr" sz="900">
+                <a:latin typeface="Nunito"/>
+                <a:ea typeface="Nunito"/>
+                <a:cs typeface="Nunito"/>
+                <a:sym typeface="Nunito"/>
+              </a:rPr>
+              <a:t>Passive</a:t>
+            </a:r>
+            <a:endParaRPr sz="900">
+              <a:latin typeface="Nunito"/>
+              <a:ea typeface="Nunito"/>
+              <a:cs typeface="Nunito"/>
+              <a:sym typeface="Nunito"/>
+            </a:endParaRPr>
+          </a:p>
+        </p:txBody>
+      </p:sp>
+      <p:sp>
+        <p:nvSpPr>
+          <p:cNvPr id="84" name="Google Shape;84;p15"/>
+          <p:cNvSpPr txBox="1"/>
+          <p:nvPr/>
+        </p:nvSpPr>
+        <p:spPr>
+          <a:xfrm>
+            <a:off x="4471525" y="4582319"/>
+            <a:ext cx="1165200" cy="323100"/>
+          </a:xfrm>
+          <a:prstGeom prst="rect">
+            <a:avLst/>
+          </a:prstGeom>
+          <a:noFill/>
+          <a:ln>
+            <a:noFill/>
+          </a:ln>
+        </p:spPr>
+        <p:txBody>
+          <a:bodyPr anchorCtr="0" anchor="t" bIns="91425" lIns="91425" spcFirstLastPara="1" rIns="91425" wrap="square" tIns="91425">
+            <a:spAutoFit/>
+          </a:bodyPr>
+          <a:lstStyle/>
+          <a:p>
+            <a:pPr indent="0" lvl="0" marL="0" rtl="0" algn="r">
+              <a:spcBef>
+                <a:spcPts val="0"/>
+              </a:spcBef>
+              <a:spcAft>
+                <a:spcPts val="0"/>
+              </a:spcAft>
+              <a:buNone/>
+            </a:pPr>
+            <a:r>
+              <a:rPr lang="fr" sz="900">
+                <a:latin typeface="Nunito"/>
+                <a:ea typeface="Nunito"/>
+                <a:cs typeface="Nunito"/>
+                <a:sym typeface="Nunito"/>
+              </a:rPr>
+              <a:t>Active</a:t>
+            </a:r>
+            <a:endParaRPr sz="900">
+              <a:latin typeface="Nunito"/>
+              <a:ea typeface="Nunito"/>
+              <a:cs typeface="Nunito"/>
+              <a:sym typeface="Nunito"/>
+            </a:endParaRPr>
+          </a:p>
+        </p:txBody>
+      </p:sp>
+      <p:sp>
+        <p:nvSpPr>
+          <p:cNvPr id="85" name="Google Shape;85;p15"/>
+          <p:cNvSpPr/>
+          <p:nvPr/>
+        </p:nvSpPr>
+        <p:spPr>
+          <a:xfrm>
+            <a:off x="5030975" y="4843425"/>
+            <a:ext cx="147000" cy="157500"/>
+          </a:xfrm>
+          <a:prstGeom prst="rect">
+            <a:avLst/>
+          </a:prstGeom>
+          <a:solidFill>
+            <a:srgbClr val="8E7CC3"/>
+          </a:solidFill>
+          <a:ln cap="flat" cmpd="sng" w="9525">
+            <a:solidFill>
+              <a:schemeClr val="dk2"/>
+            </a:solidFill>
+            <a:prstDash val="solid"/>
+            <a:round/>
+            <a:headEnd len="sm" w="sm" type="none"/>
+            <a:tailEnd len="sm" w="sm" type="none"/>
+          </a:ln>
+        </p:spPr>
+        <p:txBody>
+          <a:bodyPr anchorCtr="0" anchor="ctr" bIns="91425" lIns="91425" spcFirstLastPara="1" rIns="91425" wrap="square" tIns="91425">
+            <a:noAutofit/>
+          </a:bodyPr>
+          <a:lstStyle/>
+          <a:p>
+            <a:pPr indent="0" lvl="0" marL="0" rtl="0" algn="l">
+              <a:spcBef>
+                <a:spcPts val="0"/>
+              </a:spcBef>
+              <a:spcAft>
+                <a:spcPts val="0"/>
+              </a:spcAft>
+              <a:buNone/>
+            </a:pPr>
+            <a:r>
+              <a:t/>
+            </a:r>
+            <a:endParaRPr/>
+          </a:p>
+        </p:txBody>
+      </p:sp>
+      <p:sp>
+        <p:nvSpPr>
+          <p:cNvPr id="86" name="Google Shape;86;p15"/>
+          <p:cNvSpPr txBox="1"/>
+          <p:nvPr/>
+        </p:nvSpPr>
+        <p:spPr>
+          <a:xfrm>
+            <a:off x="5988600" y="797804"/>
+            <a:ext cx="2697600" cy="1446900"/>
+          </a:xfrm>
+          <a:prstGeom prst="rect">
+            <a:avLst/>
+          </a:prstGeom>
+          <a:solidFill>
+            <a:srgbClr val="FFFFFF"/>
+          </a:solidFill>
+          <a:ln>
+            <a:noFill/>
+          </a:ln>
+        </p:spPr>
+        <p:txBody>
+          <a:bodyPr anchorCtr="0" anchor="t" bIns="91425" lIns="91425" spcFirstLastPara="1" rIns="91425" wrap="square" tIns="91425">
+            <a:spAutoFit/>
+          </a:bodyPr>
+          <a:lstStyle/>
+          <a:p>
+            <a:pPr indent="0" lvl="0" marL="0" rtl="0" algn="l">
+              <a:spcBef>
+                <a:spcPts val="0"/>
+              </a:spcBef>
+              <a:spcAft>
+                <a:spcPts val="0"/>
+              </a:spcAft>
+              <a:buNone/>
+            </a:pPr>
+            <a:r>
+              <a:rPr b="1" lang="fr" sz="1600">
+                <a:solidFill>
+                  <a:srgbClr val="8E7CC3"/>
+                </a:solidFill>
+                <a:latin typeface="Nunito"/>
+                <a:ea typeface="Nunito"/>
+                <a:cs typeface="Nunito"/>
+                <a:sym typeface="Nunito"/>
+              </a:rPr>
+              <a:t>GOALS</a:t>
+            </a:r>
+            <a:endParaRPr b="1" sz="1600">
+              <a:solidFill>
+                <a:srgbClr val="8E7CC3"/>
+              </a:solidFill>
+              <a:latin typeface="Nunito"/>
+              <a:ea typeface="Nunito"/>
+              <a:cs typeface="Nunito"/>
+              <a:sym typeface="Nunito"/>
+            </a:endParaRPr>
+          </a:p>
+          <a:p>
+            <a:pPr indent="0" lvl="0" marL="0" rtl="0" algn="l">
+              <a:spcBef>
+                <a:spcPts val="0"/>
+              </a:spcBef>
+              <a:spcAft>
+                <a:spcPts val="0"/>
+              </a:spcAft>
+              <a:buNone/>
+            </a:pPr>
+            <a:r>
+              <a:t/>
+            </a:r>
+            <a:endParaRPr b="1" sz="600">
+              <a:solidFill>
+                <a:srgbClr val="81D0EA"/>
+              </a:solidFill>
+              <a:latin typeface="Nunito"/>
+              <a:ea typeface="Nunito"/>
+              <a:cs typeface="Nunito"/>
+              <a:sym typeface="Nunito"/>
+            </a:endParaRPr>
+          </a:p>
+          <a:p>
+            <a:pPr indent="0" lvl="0" marL="0" rtl="0" algn="l">
+              <a:spcBef>
+                <a:spcPts val="0"/>
+              </a:spcBef>
+              <a:spcAft>
+                <a:spcPts val="0"/>
+              </a:spcAft>
+              <a:buNone/>
+            </a:pPr>
+            <a:r>
+              <a:rPr lang="fr" sz="1000">
+                <a:latin typeface="Nunito"/>
+                <a:ea typeface="Nunito"/>
+                <a:cs typeface="Nunito"/>
+                <a:sym typeface="Nunito"/>
+              </a:rPr>
+              <a:t>→ discovering new music of any types, reflecting the diversity he likes</a:t>
+            </a:r>
+            <a:endParaRPr sz="1000">
+              <a:latin typeface="Nunito"/>
+              <a:ea typeface="Nunito"/>
+              <a:cs typeface="Nunito"/>
+              <a:sym typeface="Nunito"/>
+            </a:endParaRPr>
+          </a:p>
+          <a:p>
+            <a:pPr indent="0" lvl="0" marL="0" rtl="0" algn="l">
+              <a:spcBef>
+                <a:spcPts val="0"/>
+              </a:spcBef>
+              <a:spcAft>
+                <a:spcPts val="0"/>
+              </a:spcAft>
+              <a:buNone/>
+            </a:pPr>
+            <a:r>
+              <a:t/>
+            </a:r>
+            <a:endParaRPr sz="1000">
+              <a:latin typeface="Nunito"/>
+              <a:ea typeface="Nunito"/>
+              <a:cs typeface="Nunito"/>
+              <a:sym typeface="Nunito"/>
+            </a:endParaRPr>
+          </a:p>
+          <a:p>
+            <a:pPr indent="0" lvl="0" marL="0" rtl="0" algn="l">
+              <a:spcBef>
+                <a:spcPts val="0"/>
+              </a:spcBef>
+              <a:spcAft>
+                <a:spcPts val="0"/>
+              </a:spcAft>
+              <a:buNone/>
+            </a:pPr>
+            <a:r>
+              <a:rPr lang="fr" sz="1000">
+                <a:latin typeface="Nunito"/>
+                <a:ea typeface="Nunito"/>
+                <a:cs typeface="Nunito"/>
+                <a:sym typeface="Nunito"/>
+              </a:rPr>
+              <a:t>→ sharing my passion for music with other music lovers all over the world (and why not meeting them when he is travelling ?)</a:t>
+            </a:r>
+            <a:endParaRPr sz="1000">
+              <a:latin typeface="Nunito"/>
+              <a:ea typeface="Nunito"/>
+              <a:cs typeface="Nunito"/>
+              <a:sym typeface="Nunito"/>
+            </a:endParaRPr>
+          </a:p>
+        </p:txBody>
+      </p:sp>
+      <p:sp>
+        <p:nvSpPr>
+          <p:cNvPr id="87" name="Google Shape;87;p15"/>
+          <p:cNvSpPr txBox="1"/>
+          <p:nvPr/>
+        </p:nvSpPr>
+        <p:spPr>
+          <a:xfrm>
+            <a:off x="5988600" y="2315263"/>
+            <a:ext cx="2697600" cy="1600800"/>
+          </a:xfrm>
+          <a:prstGeom prst="rect">
+            <a:avLst/>
+          </a:prstGeom>
+          <a:solidFill>
+            <a:srgbClr val="FFFFFF"/>
+          </a:solidFill>
+          <a:ln>
+            <a:noFill/>
+          </a:ln>
+        </p:spPr>
+        <p:txBody>
+          <a:bodyPr anchorCtr="0" anchor="t" bIns="91425" lIns="91425" spcFirstLastPara="1" rIns="91425" wrap="square" tIns="91425">
+            <a:spAutoFit/>
+          </a:bodyPr>
+          <a:lstStyle/>
+          <a:p>
+            <a:pPr indent="0" lvl="0" marL="0" rtl="0" algn="l">
+              <a:spcBef>
+                <a:spcPts val="0"/>
+              </a:spcBef>
+              <a:spcAft>
+                <a:spcPts val="0"/>
+              </a:spcAft>
+              <a:buNone/>
+            </a:pPr>
+            <a:r>
+              <a:rPr b="1" lang="fr" sz="1600">
+                <a:solidFill>
+                  <a:srgbClr val="8E7CC3"/>
+                </a:solidFill>
+                <a:latin typeface="Nunito"/>
+                <a:ea typeface="Nunito"/>
+                <a:cs typeface="Nunito"/>
+                <a:sym typeface="Nunito"/>
+              </a:rPr>
+              <a:t>FRUSTRATIONS</a:t>
+            </a:r>
+            <a:endParaRPr b="1" sz="1600">
+              <a:solidFill>
+                <a:srgbClr val="8E7CC3"/>
+              </a:solidFill>
+              <a:latin typeface="Nunito"/>
+              <a:ea typeface="Nunito"/>
+              <a:cs typeface="Nunito"/>
+              <a:sym typeface="Nunito"/>
+            </a:endParaRPr>
+          </a:p>
+          <a:p>
+            <a:pPr indent="0" lvl="0" marL="0" rtl="0" algn="l">
+              <a:spcBef>
+                <a:spcPts val="0"/>
+              </a:spcBef>
+              <a:spcAft>
+                <a:spcPts val="0"/>
+              </a:spcAft>
+              <a:buNone/>
+            </a:pPr>
+            <a:r>
+              <a:t/>
+            </a:r>
+            <a:endParaRPr b="1" sz="600">
+              <a:solidFill>
+                <a:srgbClr val="81D0EA"/>
+              </a:solidFill>
+              <a:latin typeface="Nunito"/>
+              <a:ea typeface="Nunito"/>
+              <a:cs typeface="Nunito"/>
+              <a:sym typeface="Nunito"/>
+            </a:endParaRPr>
+          </a:p>
+          <a:p>
+            <a:pPr indent="0" lvl="0" marL="0" rtl="0" algn="l">
+              <a:spcBef>
+                <a:spcPts val="0"/>
+              </a:spcBef>
+              <a:spcAft>
+                <a:spcPts val="0"/>
+              </a:spcAft>
+              <a:buNone/>
+            </a:pPr>
+            <a:r>
+              <a:rPr lang="fr" sz="1000">
+                <a:latin typeface="Nunito"/>
+                <a:ea typeface="Nunito"/>
+                <a:cs typeface="Nunito"/>
+                <a:sym typeface="Nunito"/>
+              </a:rPr>
+              <a:t>→ spotify and youtube algorithms don’t do the job, he feels they propose him random music (his tastes being so diverse…)</a:t>
+            </a:r>
+            <a:endParaRPr sz="1000">
+              <a:latin typeface="Nunito"/>
+              <a:ea typeface="Nunito"/>
+              <a:cs typeface="Nunito"/>
+              <a:sym typeface="Nunito"/>
+            </a:endParaRPr>
+          </a:p>
+          <a:p>
+            <a:pPr indent="0" lvl="0" marL="0" rtl="0" algn="l">
+              <a:spcBef>
+                <a:spcPts val="0"/>
+              </a:spcBef>
+              <a:spcAft>
+                <a:spcPts val="0"/>
+              </a:spcAft>
+              <a:buNone/>
+            </a:pPr>
+            <a:r>
+              <a:t/>
+            </a:r>
+            <a:endParaRPr sz="1000">
+              <a:latin typeface="Nunito"/>
+              <a:ea typeface="Nunito"/>
+              <a:cs typeface="Nunito"/>
+              <a:sym typeface="Nunito"/>
+            </a:endParaRPr>
+          </a:p>
+          <a:p>
+            <a:pPr indent="0" lvl="0" marL="0" rtl="0" algn="l">
+              <a:spcBef>
+                <a:spcPts val="0"/>
+              </a:spcBef>
+              <a:spcAft>
+                <a:spcPts val="0"/>
+              </a:spcAft>
+              <a:buNone/>
+            </a:pPr>
+            <a:r>
+              <a:rPr lang="fr" sz="1000">
+                <a:latin typeface="Nunito"/>
+                <a:ea typeface="Nunito"/>
+                <a:cs typeface="Nunito"/>
+                <a:sym typeface="Nunito"/>
+              </a:rPr>
+              <a:t>→ he didn’t find yet the perfect app to discover new music, taking into account what he already liked and his current mood.</a:t>
+            </a:r>
+            <a:endParaRPr sz="1000">
+              <a:latin typeface="Nunito"/>
+              <a:ea typeface="Nunito"/>
+              <a:cs typeface="Nunito"/>
+              <a:sym typeface="Nunito"/>
+            </a:endParaRPr>
+          </a:p>
+        </p:txBody>
+      </p:sp>
+      <p:sp>
+        <p:nvSpPr>
+          <p:cNvPr id="88" name="Google Shape;88;p15"/>
+          <p:cNvSpPr txBox="1"/>
+          <p:nvPr/>
+        </p:nvSpPr>
+        <p:spPr>
+          <a:xfrm>
+            <a:off x="5988600" y="3989344"/>
+            <a:ext cx="2697600" cy="431100"/>
+          </a:xfrm>
+          <a:prstGeom prst="rect">
+            <a:avLst/>
+          </a:prstGeom>
+          <a:solidFill>
+            <a:srgbClr val="FFFFFF"/>
+          </a:solidFill>
+          <a:ln>
+            <a:noFill/>
+          </a:ln>
+        </p:spPr>
+        <p:txBody>
+          <a:bodyPr anchorCtr="0" anchor="t" bIns="91425" lIns="91425" spcFirstLastPara="1" rIns="91425" wrap="square" tIns="91425">
+            <a:spAutoFit/>
+          </a:bodyPr>
+          <a:lstStyle/>
+          <a:p>
+            <a:pPr indent="0" lvl="0" marL="0" rtl="0" algn="l">
+              <a:spcBef>
+                <a:spcPts val="0"/>
+              </a:spcBef>
+              <a:spcAft>
+                <a:spcPts val="0"/>
+              </a:spcAft>
+              <a:buNone/>
+            </a:pPr>
+            <a:r>
+              <a:rPr b="1" lang="fr" sz="1600">
+                <a:solidFill>
+                  <a:srgbClr val="8E7CC3"/>
+                </a:solidFill>
+                <a:latin typeface="Nunito"/>
+                <a:ea typeface="Nunito"/>
+                <a:cs typeface="Nunito"/>
+                <a:sym typeface="Nunito"/>
+              </a:rPr>
+              <a:t>TOOLS &amp; APPS</a:t>
+            </a:r>
+            <a:endParaRPr sz="1000">
+              <a:solidFill>
+                <a:srgbClr val="8E7CC3"/>
+              </a:solidFill>
+              <a:latin typeface="Nunito"/>
+              <a:ea typeface="Nunito"/>
+              <a:cs typeface="Nunito"/>
+              <a:sym typeface="Nunito"/>
+            </a:endParaRPr>
+          </a:p>
+        </p:txBody>
+      </p:sp>
+      <p:pic>
+        <p:nvPicPr>
+          <p:cNvPr id="89" name="Google Shape;89;p15"/>
+          <p:cNvPicPr preferRelativeResize="0"/>
+          <p:nvPr/>
+        </p:nvPicPr>
+        <p:blipFill>
+          <a:blip r:embed="rId4">
+            <a:alphaModFix/>
+          </a:blip>
+          <a:stretch>
+            <a:fillRect/>
+          </a:stretch>
+        </p:blipFill>
+        <p:spPr>
+          <a:xfrm>
+            <a:off x="6020825" y="4463250"/>
+            <a:ext cx="491474" cy="491474"/>
+          </a:xfrm>
+          <a:prstGeom prst="rect">
+            <a:avLst/>
+          </a:prstGeom>
+          <a:noFill/>
+          <a:ln>
+            <a:noFill/>
+          </a:ln>
+        </p:spPr>
+      </p:pic>
+      <p:pic>
+        <p:nvPicPr>
+          <p:cNvPr id="90" name="Google Shape;90;p15"/>
+          <p:cNvPicPr preferRelativeResize="0"/>
+          <p:nvPr/>
+        </p:nvPicPr>
+        <p:blipFill>
+          <a:blip r:embed="rId5">
+            <a:alphaModFix/>
+          </a:blip>
+          <a:stretch>
+            <a:fillRect/>
+          </a:stretch>
+        </p:blipFill>
+        <p:spPr>
+          <a:xfrm>
+            <a:off x="6674125" y="4438788"/>
+            <a:ext cx="540401" cy="540399"/>
+          </a:xfrm>
+          <a:prstGeom prst="rect">
+            <a:avLst/>
+          </a:prstGeom>
+          <a:noFill/>
+          <a:ln>
+            <a:noFill/>
+          </a:ln>
+        </p:spPr>
+      </p:pic>
+      <p:pic>
+        <p:nvPicPr>
+          <p:cNvPr id="91" name="Google Shape;91;p15"/>
+          <p:cNvPicPr preferRelativeResize="0"/>
+          <p:nvPr/>
+        </p:nvPicPr>
+        <p:blipFill>
+          <a:blip r:embed="rId6">
+            <a:alphaModFix/>
+          </a:blip>
+          <a:stretch>
+            <a:fillRect/>
+          </a:stretch>
+        </p:blipFill>
+        <p:spPr>
+          <a:xfrm>
+            <a:off x="7286541" y="4493725"/>
+            <a:ext cx="786887" cy="431100"/>
+          </a:xfrm>
+          <a:prstGeom prst="rect">
+            <a:avLst/>
+          </a:prstGeom>
+          <a:noFill/>
+          <a:ln>
+            <a:noFill/>
+          </a:ln>
+        </p:spPr>
+      </p:pic>
+      <p:pic>
+        <p:nvPicPr>
+          <p:cNvPr id="92" name="Google Shape;92;p15"/>
+          <p:cNvPicPr preferRelativeResize="0"/>
+          <p:nvPr/>
+        </p:nvPicPr>
+        <p:blipFill>
+          <a:blip r:embed="rId7">
+            <a:alphaModFix/>
+          </a:blip>
+          <a:stretch>
+            <a:fillRect/>
+          </a:stretch>
+        </p:blipFill>
+        <p:spPr>
+          <a:xfrm>
+            <a:off x="8145450" y="4414325"/>
+            <a:ext cx="540399" cy="540399"/>
+          </a:xfrm>
+          <a:prstGeom prst="rect">
+            <a:avLst/>
+          </a:prstGeom>
+          <a:noFill/>
+          <a:ln>
+            <a:noFill/>
+          </a:ln>
+        </p:spPr>
+      </p:pic>
+      <p:pic>
+        <p:nvPicPr>
+          <p:cNvPr id="93" name="Google Shape;93;p15"/>
+          <p:cNvPicPr preferRelativeResize="0"/>
+          <p:nvPr/>
+        </p:nvPicPr>
+        <p:blipFill rotWithShape="1">
+          <a:blip r:embed="rId8">
+            <a:alphaModFix/>
+          </a:blip>
+          <a:srcRect b="0" l="27060" r="0" t="0"/>
+          <a:stretch/>
+        </p:blipFill>
+        <p:spPr>
+          <a:xfrm>
+            <a:off x="5489900" y="78925"/>
+            <a:ext cx="3550100" cy="504825"/>
+          </a:xfrm>
+          <a:prstGeom prst="rect">
+            <a:avLst/>
+          </a:prstGeom>
+          <a:noFill/>
+          <a:ln>
+            <a:noFill/>
+          </a:ln>
+        </p:spPr>
+      </p:pic>
+    </p:spTree>
+  </p:cSld>
+  <p:clrMapOvr>
+    <a:masterClrMapping/>
+  </p:clrMapOvr>
+</p:sld>
+</file>
+
+<file path=ppt/slides/slide3.xml><?xml version="1.0" encoding="utf-8"?>
+<p:sld xmlns:a="http://schemas.openxmlformats.org/drawingml/2006/main" xmlns:r="http://schemas.openxmlformats.org/officeDocument/2006/relationships" xmlns:mc="http://schemas.openxmlformats.org/markup-compatibility/2006" xmlns:mv="urn:schemas-microsoft-com:mac:vml" xmlns:p="http://schemas.openxmlformats.org/presentationml/2006/main" xmlns:c="http://schemas.openxmlformats.org/drawingml/2006/chart" xmlns:dgm="http://schemas.openxmlformats.org/drawingml/2006/diagram" xmlns:o="urn:schemas-microsoft-com:office:office" xmlns:v="urn:schemas-microsoft-com:vml" xmlns:pvml="urn:schemas-microsoft-com:office:powerpoint" xmlns:com="http://schemas.openxmlformats.org/drawingml/2006/compatibility" xmlns:p14="http://schemas.microsoft.com/office/powerpoint/2010/main" xmlns:p15="http://schemas.microsoft.com/office/powerpoint/2012/main" xmlns:ahyp="http://schemas.microsoft.com/office/drawing/2018/hyperlinkcolor">
+  <p:cSld>
+    <p:spTree>
+      <p:nvGrpSpPr>
+        <p:cNvPr id="97" name="Shape 97"/>
         <p:cNvGrpSpPr/>
         <p:nvPr/>
       </p:nvGrpSpPr>
@@ -6619,7 +8667,7 @@
       </p:grpSpPr>
       <p:pic>
         <p:nvPicPr>
-          <p:cNvPr id="63" name="Google Shape;63;p15"/>
+          <p:cNvPr id="98" name="Google Shape;98;p16"/>
           <p:cNvPicPr preferRelativeResize="0"/>
           <p:nvPr/>
         </p:nvPicPr>
@@ -6633,8 +8681,8 @@
         </p:blipFill>
         <p:spPr>
           <a:xfrm>
-            <a:off x="152400" y="152400"/>
-            <a:ext cx="4867275" cy="504825"/>
+            <a:off x="828225" y="1438811"/>
+            <a:ext cx="2971500" cy="3659114"/>
           </a:xfrm>
           <a:prstGeom prst="rect">
             <a:avLst/>
@@ -6645,21 +8693,97 @@
           </a:ln>
         </p:spPr>
       </p:pic>
+      <p:pic>
+        <p:nvPicPr>
+          <p:cNvPr id="99" name="Google Shape;99;p16"/>
+          <p:cNvPicPr preferRelativeResize="0"/>
+          <p:nvPr/>
+        </p:nvPicPr>
+        <p:blipFill>
+          <a:blip r:embed="rId4">
+            <a:alphaModFix/>
+          </a:blip>
+          <a:stretch>
+            <a:fillRect/>
+          </a:stretch>
+        </p:blipFill>
+        <p:spPr>
+          <a:xfrm>
+            <a:off x="5072150" y="1980963"/>
+            <a:ext cx="3902000" cy="2086525"/>
+          </a:xfrm>
+          <a:prstGeom prst="rect">
+            <a:avLst/>
+          </a:prstGeom>
+          <a:noFill/>
+          <a:ln>
+            <a:noFill/>
+          </a:ln>
+        </p:spPr>
+      </p:pic>
       <p:sp>
         <p:nvSpPr>
-          <p:cNvPr id="64" name="Google Shape;64;p15"/>
+          <p:cNvPr id="100" name="Google Shape;100;p16"/>
+          <p:cNvSpPr/>
+          <p:nvPr/>
+        </p:nvSpPr>
+        <p:spPr>
+          <a:xfrm>
+            <a:off x="4156350" y="2815275"/>
+            <a:ext cx="831300" cy="417900"/>
+          </a:xfrm>
+          <a:prstGeom prst="rightArrow">
+            <a:avLst>
+              <a:gd fmla="val 50000" name="adj1"/>
+              <a:gd fmla="val 50000" name="adj2"/>
+            </a:avLst>
+          </a:prstGeom>
+          <a:solidFill>
+            <a:srgbClr val="B4A7D6"/>
+          </a:solidFill>
+          <a:ln>
+            <a:noFill/>
+          </a:ln>
+        </p:spPr>
+        <p:txBody>
+          <a:bodyPr anchorCtr="0" anchor="ctr" bIns="91425" lIns="91425" spcFirstLastPara="1" rIns="91425" wrap="square" tIns="91425">
+            <a:noAutofit/>
+          </a:bodyPr>
+          <a:lstStyle/>
+          <a:p>
+            <a:pPr indent="0" lvl="0" marL="0" rtl="0" algn="l">
+              <a:spcBef>
+                <a:spcPts val="0"/>
+              </a:spcBef>
+              <a:spcAft>
+                <a:spcPts val="0"/>
+              </a:spcAft>
+              <a:buNone/>
+            </a:pPr>
+            <a:r>
+              <a:t/>
+            </a:r>
+            <a:endParaRPr/>
+          </a:p>
+        </p:txBody>
+      </p:sp>
+      <p:sp>
+        <p:nvSpPr>
+          <p:cNvPr id="101" name="Google Shape;101;p16"/>
           <p:cNvSpPr txBox="1"/>
           <p:nvPr/>
         </p:nvSpPr>
         <p:spPr>
           <a:xfrm>
-            <a:off x="263300" y="1231825"/>
-            <a:ext cx="5481900" cy="1477500"/>
+            <a:off x="251925" y="126725"/>
+            <a:ext cx="3023100" cy="831300"/>
           </a:xfrm>
           <a:prstGeom prst="rect">
             <a:avLst/>
           </a:prstGeom>
-          <a:noFill/>
+          <a:solidFill>
+            <a:srgbClr val="B4A7D6"/>
+          </a:solidFill>
           <a:ln>
             <a:noFill/>
           </a:ln>
@@ -6670,7 +8794,7 @@
           </a:bodyPr>
           <a:lstStyle/>
           <a:p>
-            <a:pPr indent="0" lvl="0" marL="0" rtl="0" algn="l">
+            <a:pPr indent="0" lvl="0" marL="0" rtl="0" algn="ctr">
               <a:spcBef>
                 <a:spcPts val="0"/>
               </a:spcBef>
@@ -6680,110 +8804,41 @@
               <a:buNone/>
             </a:pPr>
             <a:r>
-              <a:rPr lang="fr"/>
-              <a:t>PERSONA - BIO - Harry, 32 years old</a:t>
+              <a:rPr lang="fr">
+                <a:latin typeface="Nunito"/>
+                <a:ea typeface="Nunito"/>
+                <a:cs typeface="Nunito"/>
+                <a:sym typeface="Nunito"/>
+              </a:rPr>
+              <a:t>One day, Harry discovers Gnoosic thanks to a web media that he follows on social media…</a:t>
             </a:r>
-            <a:endParaRPr/>
-          </a:p>
-          <a:p>
-            <a:pPr indent="0" lvl="0" marL="0" rtl="0" algn="l">
-              <a:spcBef>
-                <a:spcPts val="0"/>
-              </a:spcBef>
-              <a:spcAft>
-                <a:spcPts val="0"/>
-              </a:spcAft>
-              <a:buNone/>
-            </a:pPr>
-            <a:r>
-              <a:rPr lang="fr"/>
-              <a:t>Freelance in web design</a:t>
-            </a:r>
-            <a:endParaRPr/>
-          </a:p>
-          <a:p>
-            <a:pPr indent="0" lvl="0" marL="0" rtl="0" algn="l">
-              <a:spcBef>
-                <a:spcPts val="0"/>
-              </a:spcBef>
-              <a:spcAft>
-                <a:spcPts val="0"/>
-              </a:spcAft>
-              <a:buNone/>
-            </a:pPr>
-            <a:r>
-              <a:rPr lang="fr"/>
-              <a:t>Single</a:t>
-            </a:r>
-            <a:endParaRPr/>
-          </a:p>
-          <a:p>
-            <a:pPr indent="0" lvl="0" marL="0" rtl="0" algn="l">
-              <a:spcBef>
-                <a:spcPts val="0"/>
-              </a:spcBef>
-              <a:spcAft>
-                <a:spcPts val="0"/>
-              </a:spcAft>
-              <a:buNone/>
-            </a:pPr>
-            <a:r>
-              <a:rPr lang="fr"/>
-              <a:t>Lives in London</a:t>
-            </a:r>
-            <a:endParaRPr/>
-          </a:p>
-          <a:p>
-            <a:pPr indent="0" lvl="0" marL="0" rtl="0" algn="l">
-              <a:spcBef>
-                <a:spcPts val="0"/>
-              </a:spcBef>
-              <a:spcAft>
-                <a:spcPts val="0"/>
-              </a:spcAft>
-              <a:buNone/>
-            </a:pPr>
-            <a:r>
-              <a:rPr lang="fr"/>
-              <a:t>Loves to party, hanging with friends and listening to music</a:t>
-            </a:r>
-            <a:endParaRPr/>
-          </a:p>
-          <a:p>
-            <a:pPr indent="0" lvl="0" marL="0" rtl="0" algn="l">
-              <a:spcBef>
-                <a:spcPts val="0"/>
-              </a:spcBef>
-              <a:spcAft>
-                <a:spcPts val="0"/>
-              </a:spcAft>
-              <a:buNone/>
-            </a:pPr>
-            <a:r>
-              <a:rPr lang="fr"/>
-              <a:t>Obj : finding new music</a:t>
-            </a:r>
-            <a:endParaRPr/>
+            <a:endParaRPr sz="1600">
+              <a:latin typeface="Nunito"/>
+              <a:ea typeface="Nunito"/>
+              <a:cs typeface="Nunito"/>
+              <a:sym typeface="Nunito"/>
+            </a:endParaRPr>
           </a:p>
         </p:txBody>
       </p:sp>
       <p:pic>
         <p:nvPicPr>
-          <p:cNvPr id="65" name="Google Shape;65;p15"/>
+          <p:cNvPr id="102" name="Google Shape;102;p16"/>
           <p:cNvPicPr preferRelativeResize="0"/>
           <p:nvPr/>
         </p:nvPicPr>
-        <p:blipFill rotWithShape="1">
-          <a:blip r:embed="rId4">
+        <p:blipFill>
+          <a:blip r:embed="rId5">
             <a:alphaModFix/>
           </a:blip>
-          <a:srcRect b="0" l="7355" r="8491" t="0"/>
-          <a:stretch/>
+          <a:stretch>
+            <a:fillRect/>
+          </a:stretch>
         </p:blipFill>
         <p:spPr>
           <a:xfrm>
-            <a:off x="5416200" y="1185863"/>
-            <a:ext cx="3206450" cy="2771775"/>
+            <a:off x="126000" y="1068875"/>
+            <a:ext cx="831300" cy="831300"/>
           </a:xfrm>
           <a:prstGeom prst="rect">
             <a:avLst/>
@@ -6794,21 +8849,51 @@
           </a:ln>
         </p:spPr>
       </p:pic>
+      <p:pic>
+        <p:nvPicPr>
+          <p:cNvPr id="103" name="Google Shape;103;p16"/>
+          <p:cNvPicPr preferRelativeResize="0"/>
+          <p:nvPr/>
+        </p:nvPicPr>
+        <p:blipFill>
+          <a:blip r:embed="rId6">
+            <a:alphaModFix/>
+          </a:blip>
+          <a:stretch>
+            <a:fillRect/>
+          </a:stretch>
+        </p:blipFill>
+        <p:spPr>
+          <a:xfrm>
+            <a:off x="7916100" y="958025"/>
+            <a:ext cx="942150" cy="942150"/>
+          </a:xfrm>
+          <a:prstGeom prst="rect">
+            <a:avLst/>
+          </a:prstGeom>
+          <a:noFill/>
+          <a:ln>
+            <a:noFill/>
+          </a:ln>
+        </p:spPr>
+      </p:pic>
       <p:sp>
         <p:nvSpPr>
-          <p:cNvPr id="66" name="Google Shape;66;p15"/>
+          <p:cNvPr id="104" name="Google Shape;104;p16"/>
           <p:cNvSpPr txBox="1"/>
           <p:nvPr/>
         </p:nvSpPr>
         <p:spPr>
           <a:xfrm>
-            <a:off x="225675" y="3027800"/>
-            <a:ext cx="3930600" cy="1908600"/>
+            <a:off x="5511600" y="4148275"/>
+            <a:ext cx="3023100" cy="831300"/>
           </a:xfrm>
           <a:prstGeom prst="rect">
             <a:avLst/>
           </a:prstGeom>
-          <a:noFill/>
+          <a:solidFill>
+            <a:srgbClr val="B4A7D6"/>
+          </a:solidFill>
           <a:ln>
             <a:noFill/>
           </a:ln>
@@ -6819,7 +8904,7 @@
           </a:bodyPr>
           <a:lstStyle/>
           <a:p>
-            <a:pPr indent="0" lvl="0" marL="0" rtl="0" algn="l">
+            <a:pPr indent="0" lvl="0" marL="0" rtl="0" algn="ctr">
               <a:spcBef>
                 <a:spcPts val="0"/>
               </a:spcBef>
@@ -6829,158 +8914,66 @@
               <a:buNone/>
             </a:pPr>
             <a:r>
-              <a:rPr b="1" lang="fr"/>
-              <a:t>What you still need to do :</a:t>
+              <a:rPr lang="fr">
+                <a:latin typeface="Nunito"/>
+                <a:ea typeface="Nunito"/>
+                <a:cs typeface="Nunito"/>
+                <a:sym typeface="Nunito"/>
+              </a:rPr>
+              <a:t>at first sight, he felt very happy :</a:t>
             </a:r>
-            <a:endParaRPr b="1"/>
+            <a:endParaRPr>
+              <a:latin typeface="Nunito"/>
+              <a:ea typeface="Nunito"/>
+              <a:cs typeface="Nunito"/>
+              <a:sym typeface="Nunito"/>
+            </a:endParaRPr>
           </a:p>
           <a:p>
-            <a:pPr indent="-317500" lvl="0" marL="457200" rtl="0" algn="l">
-              <a:spcBef>
-                <a:spcPts val="0"/>
-              </a:spcBef>
-              <a:spcAft>
-                <a:spcPts val="0"/>
-              </a:spcAft>
-              <a:buSzPts val="1400"/>
-              <a:buChar char="-"/>
+            <a:pPr indent="0" lvl="0" marL="0" rtl="0" algn="ctr">
+              <a:spcBef>
+                <a:spcPts val="0"/>
+              </a:spcBef>
+              <a:spcAft>
+                <a:spcPts val="0"/>
+              </a:spcAft>
+              <a:buNone/>
             </a:pPr>
             <a:r>
-              <a:rPr lang="fr"/>
-              <a:t>personality</a:t>
+              <a:rPr lang="fr">
+                <a:latin typeface="Nunito"/>
+                <a:ea typeface="Nunito"/>
+                <a:cs typeface="Nunito"/>
+                <a:sym typeface="Nunito"/>
+              </a:rPr>
+              <a:t>“finally a new app, I hope it will work well !”</a:t>
             </a:r>
-            <a:endParaRPr/>
-          </a:p>
-          <a:p>
-            <a:pPr indent="-317500" lvl="0" marL="457200" rtl="0" algn="l">
-              <a:spcBef>
-                <a:spcPts val="0"/>
-              </a:spcBef>
-              <a:spcAft>
-                <a:spcPts val="0"/>
-              </a:spcAft>
-              <a:buSzPts val="1400"/>
-              <a:buChar char="-"/>
-            </a:pPr>
-            <a:r>
-              <a:rPr lang="fr"/>
-              <a:t>tools he uses for music (discovering and listening) </a:t>
-            </a:r>
-            <a:endParaRPr/>
-          </a:p>
-          <a:p>
-            <a:pPr indent="-317500" lvl="0" marL="457200" rtl="0" algn="l">
-              <a:spcBef>
-                <a:spcPts val="0"/>
-              </a:spcBef>
-              <a:spcAft>
-                <a:spcPts val="0"/>
-              </a:spcAft>
-              <a:buSzPts val="1400"/>
-              <a:buChar char="-"/>
-            </a:pPr>
-            <a:r>
-              <a:rPr lang="fr"/>
-              <a:t>goals</a:t>
-            </a:r>
-            <a:endParaRPr/>
-          </a:p>
-          <a:p>
-            <a:pPr indent="-317500" lvl="0" marL="457200" rtl="0" algn="l">
-              <a:spcBef>
-                <a:spcPts val="0"/>
-              </a:spcBef>
-              <a:spcAft>
-                <a:spcPts val="0"/>
-              </a:spcAft>
-              <a:buSzPts val="1400"/>
-              <a:buChar char="-"/>
-            </a:pPr>
-            <a:r>
-              <a:rPr lang="fr"/>
-              <a:t>frustrations</a:t>
-            </a:r>
-            <a:endParaRPr/>
-          </a:p>
-          <a:p>
-            <a:pPr indent="-317500" lvl="0" marL="457200" rtl="0" algn="l">
-              <a:spcBef>
-                <a:spcPts val="0"/>
-              </a:spcBef>
-              <a:spcAft>
-                <a:spcPts val="0"/>
-              </a:spcAft>
-              <a:buSzPts val="1400"/>
-              <a:buChar char="-"/>
-            </a:pPr>
-            <a:r>
-              <a:rPr lang="fr"/>
-              <a:t>motivations</a:t>
-            </a:r>
-            <a:endParaRPr/>
-          </a:p>
-          <a:p>
-            <a:pPr indent="-317500" lvl="0" marL="457200" rtl="0" algn="l">
-              <a:spcBef>
-                <a:spcPts val="0"/>
-              </a:spcBef>
-              <a:spcAft>
-                <a:spcPts val="0"/>
-              </a:spcAft>
-              <a:buSzPts val="1400"/>
-              <a:buChar char="-"/>
-            </a:pPr>
-            <a:r>
-              <a:rPr lang="fr"/>
-              <a:t>favorite artist</a:t>
-            </a:r>
-            <a:endParaRPr/>
+            <a:endParaRPr>
+              <a:latin typeface="Nunito"/>
+              <a:ea typeface="Nunito"/>
+              <a:cs typeface="Nunito"/>
+              <a:sym typeface="Nunito"/>
+            </a:endParaRPr>
           </a:p>
         </p:txBody>
       </p:sp>
-    </p:spTree>
-  </p:cSld>
-  <p:clrMapOvr>
-    <a:masterClrMapping/>
-  </p:clrMapOvr>
-</p:sld>
-</file>
-
-<file path=ppt/slides/slide3.xml><?xml version="1.0" encoding="utf-8"?>
-<p:sld xmlns:a="http://schemas.openxmlformats.org/drawingml/2006/main" xmlns:r="http://schemas.openxmlformats.org/officeDocument/2006/relationships" xmlns:mc="http://schemas.openxmlformats.org/markup-compatibility/2006" xmlns:mv="urn:schemas-microsoft-com:mac:vml" xmlns:p="http://schemas.openxmlformats.org/presentationml/2006/main" xmlns:c="http://schemas.openxmlformats.org/drawingml/2006/chart" xmlns:dgm="http://schemas.openxmlformats.org/drawingml/2006/diagram" xmlns:o="urn:schemas-microsoft-com:office:office" xmlns:v="urn:schemas-microsoft-com:vml" xmlns:pvml="urn:schemas-microsoft-com:office:powerpoint" xmlns:com="http://schemas.openxmlformats.org/drawingml/2006/compatibility" xmlns:p14="http://schemas.microsoft.com/office/powerpoint/2010/main" xmlns:p15="http://schemas.microsoft.com/office/powerpoint/2012/main" xmlns:ahyp="http://schemas.microsoft.com/office/drawing/2018/hyperlinkcolor" show="0">
-  <p:cSld>
-    <p:spTree>
-      <p:nvGrpSpPr>
-        <p:cNvPr id="70" name="Shape 70"/>
-        <p:cNvGrpSpPr/>
-        <p:nvPr/>
-      </p:nvGrpSpPr>
-      <p:grpSpPr>
-        <a:xfrm>
-          <a:off x="0" y="0"/>
-          <a:ext cx="0" cy="0"/>
-          <a:chOff x="0" y="0"/>
-          <a:chExt cx="0" cy="0"/>
-        </a:xfrm>
-      </p:grpSpPr>
       <p:pic>
         <p:nvPicPr>
-          <p:cNvPr id="71" name="Google Shape;71;p16"/>
+          <p:cNvPr id="105" name="Google Shape;105;p16"/>
           <p:cNvPicPr preferRelativeResize="0"/>
           <p:nvPr/>
         </p:nvPicPr>
-        <p:blipFill>
-          <a:blip r:embed="rId3">
+        <p:blipFill rotWithShape="1">
+          <a:blip r:embed="rId7">
             <a:alphaModFix/>
           </a:blip>
-          <a:stretch>
-            <a:fillRect/>
-          </a:stretch>
+          <a:srcRect b="0" l="27060" r="0" t="0"/>
+          <a:stretch/>
         </p:blipFill>
         <p:spPr>
           <a:xfrm>
-            <a:off x="642752" y="75225"/>
-            <a:ext cx="6616900" cy="5068276"/>
+            <a:off x="5489900" y="78925"/>
+            <a:ext cx="3550100" cy="504825"/>
           </a:xfrm>
           <a:prstGeom prst="rect">
             <a:avLst/>
@@ -7004,7 +8997,7 @@
   <p:cSld>
     <p:spTree>
       <p:nvGrpSpPr>
-        <p:cNvPr id="75" name="Shape 75"/>
+        <p:cNvPr id="109" name="Shape 109"/>
         <p:cNvGrpSpPr/>
         <p:nvPr/>
       </p:nvGrpSpPr>
@@ -7016,9 +9009,189 @@
           <a:chExt cx="0" cy="0"/>
         </a:xfrm>
       </p:grpSpPr>
+      <p:sp>
+        <p:nvSpPr>
+          <p:cNvPr id="110" name="Google Shape;110;p17"/>
+          <p:cNvSpPr/>
+          <p:nvPr/>
+        </p:nvSpPr>
+        <p:spPr>
+          <a:xfrm>
+            <a:off x="4156350" y="2815275"/>
+            <a:ext cx="831300" cy="417900"/>
+          </a:xfrm>
+          <a:prstGeom prst="rightArrow">
+            <a:avLst>
+              <a:gd fmla="val 50000" name="adj1"/>
+              <a:gd fmla="val 50000" name="adj2"/>
+            </a:avLst>
+          </a:prstGeom>
+          <a:solidFill>
+            <a:srgbClr val="B4A7D6"/>
+          </a:solidFill>
+          <a:ln>
+            <a:noFill/>
+          </a:ln>
+        </p:spPr>
+        <p:txBody>
+          <a:bodyPr anchorCtr="0" anchor="ctr" bIns="91425" lIns="91425" spcFirstLastPara="1" rIns="91425" wrap="square" tIns="91425">
+            <a:noAutofit/>
+          </a:bodyPr>
+          <a:lstStyle/>
+          <a:p>
+            <a:pPr indent="0" lvl="0" marL="0" rtl="0" algn="l">
+              <a:spcBef>
+                <a:spcPts val="0"/>
+              </a:spcBef>
+              <a:spcAft>
+                <a:spcPts val="0"/>
+              </a:spcAft>
+              <a:buNone/>
+            </a:pPr>
+            <a:r>
+              <a:t/>
+            </a:r>
+            <a:endParaRPr/>
+          </a:p>
+        </p:txBody>
+      </p:sp>
+      <p:sp>
+        <p:nvSpPr>
+          <p:cNvPr id="111" name="Google Shape;111;p17"/>
+          <p:cNvSpPr txBox="1"/>
+          <p:nvPr/>
+        </p:nvSpPr>
+        <p:spPr>
+          <a:xfrm>
+            <a:off x="251925" y="126725"/>
+            <a:ext cx="3023100" cy="615600"/>
+          </a:xfrm>
+          <a:prstGeom prst="rect">
+            <a:avLst/>
+          </a:prstGeom>
+          <a:solidFill>
+            <a:srgbClr val="B4A7D6"/>
+          </a:solidFill>
+          <a:ln>
+            <a:noFill/>
+          </a:ln>
+        </p:spPr>
+        <p:txBody>
+          <a:bodyPr anchorCtr="0" anchor="t" bIns="91425" lIns="91425" spcFirstLastPara="1" rIns="91425" wrap="square" tIns="91425">
+            <a:spAutoFit/>
+          </a:bodyPr>
+          <a:lstStyle/>
+          <a:p>
+            <a:pPr indent="0" lvl="0" marL="0" rtl="0" algn="ctr">
+              <a:spcBef>
+                <a:spcPts val="0"/>
+              </a:spcBef>
+              <a:spcAft>
+                <a:spcPts val="0"/>
+              </a:spcAft>
+              <a:buNone/>
+            </a:pPr>
+            <a:r>
+              <a:rPr lang="fr">
+                <a:latin typeface="Nunito"/>
+                <a:ea typeface="Nunito"/>
+                <a:cs typeface="Nunito"/>
+                <a:sym typeface="Nunito"/>
+              </a:rPr>
+              <a:t>But going through the app, Harry felt more and more disappointed…</a:t>
+            </a:r>
+            <a:endParaRPr sz="1600">
+              <a:latin typeface="Nunito"/>
+              <a:ea typeface="Nunito"/>
+              <a:cs typeface="Nunito"/>
+              <a:sym typeface="Nunito"/>
+            </a:endParaRPr>
+          </a:p>
+        </p:txBody>
+      </p:sp>
+      <p:sp>
+        <p:nvSpPr>
+          <p:cNvPr id="112" name="Google Shape;112;p17"/>
+          <p:cNvSpPr txBox="1"/>
+          <p:nvPr/>
+        </p:nvSpPr>
+        <p:spPr>
+          <a:xfrm>
+            <a:off x="5308175" y="3888525"/>
+            <a:ext cx="3600900" cy="1046700"/>
+          </a:xfrm>
+          <a:prstGeom prst="rect">
+            <a:avLst/>
+          </a:prstGeom>
+          <a:solidFill>
+            <a:srgbClr val="B4A7D6"/>
+          </a:solidFill>
+          <a:ln>
+            <a:noFill/>
+          </a:ln>
+        </p:spPr>
+        <p:txBody>
+          <a:bodyPr anchorCtr="0" anchor="t" bIns="91425" lIns="91425" spcFirstLastPara="1" rIns="91425" wrap="square" tIns="91425">
+            <a:spAutoFit/>
+          </a:bodyPr>
+          <a:lstStyle/>
+          <a:p>
+            <a:pPr indent="0" lvl="0" marL="0" rtl="0" algn="ctr">
+              <a:spcBef>
+                <a:spcPts val="0"/>
+              </a:spcBef>
+              <a:spcAft>
+                <a:spcPts val="0"/>
+              </a:spcAft>
+              <a:buNone/>
+            </a:pPr>
+            <a:r>
+              <a:rPr lang="fr">
+                <a:latin typeface="Nunito"/>
+                <a:ea typeface="Nunito"/>
+                <a:cs typeface="Nunito"/>
+                <a:sym typeface="Nunito"/>
+              </a:rPr>
+              <a:t>“Really ? Is that all ? Not even some links to discover the artists on social media… must be a student project…”</a:t>
+            </a:r>
+            <a:endParaRPr>
+              <a:latin typeface="Nunito"/>
+              <a:ea typeface="Nunito"/>
+              <a:cs typeface="Nunito"/>
+              <a:sym typeface="Nunito"/>
+            </a:endParaRPr>
+          </a:p>
+          <a:p>
+            <a:pPr indent="0" lvl="0" marL="0" rtl="0" algn="ctr">
+              <a:spcBef>
+                <a:spcPts val="0"/>
+              </a:spcBef>
+              <a:spcAft>
+                <a:spcPts val="0"/>
+              </a:spcAft>
+              <a:buNone/>
+            </a:pPr>
+            <a:r>
+              <a:rPr lang="fr">
+                <a:latin typeface="Nunito"/>
+                <a:ea typeface="Nunito"/>
+                <a:cs typeface="Nunito"/>
+                <a:sym typeface="Nunito"/>
+              </a:rPr>
+              <a:t>He remains very hungry…</a:t>
+            </a:r>
+            <a:endParaRPr>
+              <a:latin typeface="Nunito"/>
+              <a:ea typeface="Nunito"/>
+              <a:cs typeface="Nunito"/>
+              <a:sym typeface="Nunito"/>
+            </a:endParaRPr>
+          </a:p>
+        </p:txBody>
+      </p:sp>
       <p:pic>
         <p:nvPicPr>
-          <p:cNvPr id="76" name="Google Shape;76;p17"/>
+          <p:cNvPr id="113" name="Google Shape;113;p17"/>
           <p:cNvPicPr preferRelativeResize="0"/>
           <p:nvPr/>
         </p:nvPicPr>
@@ -7032,8 +9205,8 @@
         </p:blipFill>
         <p:spPr>
           <a:xfrm>
-            <a:off x="152400" y="152400"/>
-            <a:ext cx="4867275" cy="504825"/>
+            <a:off x="241450" y="1817375"/>
+            <a:ext cx="3600751" cy="2566101"/>
           </a:xfrm>
           <a:prstGeom prst="rect">
             <a:avLst/>
@@ -7046,7 +9219,7 @@
       </p:pic>
       <p:pic>
         <p:nvPicPr>
-          <p:cNvPr id="77" name="Google Shape;77;p17"/>
+          <p:cNvPr id="114" name="Google Shape;114;p17"/>
           <p:cNvPicPr preferRelativeResize="0"/>
           <p:nvPr/>
         </p:nvPicPr>
@@ -7060,8 +9233,8 @@
         </p:blipFill>
         <p:spPr>
           <a:xfrm>
-            <a:off x="429325" y="800225"/>
-            <a:ext cx="3395694" cy="4181475"/>
+            <a:off x="71125" y="842575"/>
+            <a:ext cx="942150" cy="942150"/>
           </a:xfrm>
           <a:prstGeom prst="rect">
             <a:avLst/>
@@ -7074,7 +9247,7 @@
       </p:pic>
       <p:pic>
         <p:nvPicPr>
-          <p:cNvPr id="78" name="Google Shape;78;p17"/>
+          <p:cNvPr id="115" name="Google Shape;115;p17"/>
           <p:cNvPicPr preferRelativeResize="0"/>
           <p:nvPr/>
         </p:nvPicPr>
@@ -7088,8 +9261,8 @@
         </p:blipFill>
         <p:spPr>
           <a:xfrm>
-            <a:off x="5019675" y="1847700"/>
-            <a:ext cx="3902000" cy="2086525"/>
+            <a:off x="5149399" y="1429696"/>
+            <a:ext cx="3918450" cy="2458829"/>
           </a:xfrm>
           <a:prstGeom prst="rect">
             <a:avLst/>
@@ -7100,73 +9273,51 @@
           </a:ln>
         </p:spPr>
       </p:pic>
+      <p:pic>
+        <p:nvPicPr>
+          <p:cNvPr id="116" name="Google Shape;116;p17"/>
+          <p:cNvPicPr preferRelativeResize="0"/>
+          <p:nvPr/>
+        </p:nvPicPr>
+        <p:blipFill>
+          <a:blip r:embed="rId6">
+            <a:alphaModFix/>
+          </a:blip>
+          <a:stretch>
+            <a:fillRect/>
+          </a:stretch>
+        </p:blipFill>
+        <p:spPr>
+          <a:xfrm>
+            <a:off x="8036625" y="1031050"/>
+            <a:ext cx="942150" cy="942150"/>
+          </a:xfrm>
+          <a:prstGeom prst="rect">
+            <a:avLst/>
+          </a:prstGeom>
+          <a:noFill/>
+          <a:ln>
+            <a:noFill/>
+          </a:ln>
+        </p:spPr>
+      </p:pic>
       <p:sp>
         <p:nvSpPr>
-          <p:cNvPr id="79" name="Google Shape;79;p17"/>
-          <p:cNvSpPr/>
-          <p:nvPr/>
-        </p:nvSpPr>
-        <p:spPr>
-          <a:xfrm>
-            <a:off x="4043325" y="2689300"/>
-            <a:ext cx="1081500" cy="504900"/>
-          </a:xfrm>
-          <a:prstGeom prst="rightArrow">
-            <a:avLst>
-              <a:gd fmla="val 50000" name="adj1"/>
-              <a:gd fmla="val 50000" name="adj2"/>
-            </a:avLst>
-          </a:prstGeom>
-          <a:solidFill>
-            <a:schemeClr val="lt2"/>
-          </a:solidFill>
-          <a:ln cap="flat" cmpd="sng" w="9525">
-            <a:solidFill>
-              <a:schemeClr val="dk2"/>
-            </a:solidFill>
-            <a:prstDash val="solid"/>
-            <a:round/>
-            <a:headEnd len="sm" w="sm" type="none"/>
-            <a:tailEnd len="sm" w="sm" type="none"/>
-          </a:ln>
-        </p:spPr>
-        <p:txBody>
-          <a:bodyPr anchorCtr="0" anchor="ctr" bIns="91425" lIns="91425" spcFirstLastPara="1" rIns="91425" wrap="square" tIns="91425">
-            <a:noAutofit/>
-          </a:bodyPr>
-          <a:lstStyle/>
-          <a:p>
-            <a:pPr indent="0" lvl="0" marL="0" rtl="0" algn="l">
-              <a:spcBef>
-                <a:spcPts val="0"/>
-              </a:spcBef>
-              <a:spcAft>
-                <a:spcPts val="0"/>
-              </a:spcAft>
-              <a:buNone/>
-            </a:pPr>
-            <a:r>
-              <a:t/>
-            </a:r>
-            <a:endParaRPr/>
-          </a:p>
-        </p:txBody>
-      </p:sp>
-      <p:sp>
-        <p:nvSpPr>
-          <p:cNvPr id="80" name="Google Shape;80;p17"/>
+          <p:cNvPr id="117" name="Google Shape;117;p17"/>
           <p:cNvSpPr txBox="1"/>
           <p:nvPr/>
         </p:nvSpPr>
         <p:spPr>
           <a:xfrm>
-            <a:off x="5679475" y="366725"/>
-            <a:ext cx="2971500" cy="615600"/>
+            <a:off x="350625" y="4383475"/>
+            <a:ext cx="2825700" cy="369300"/>
           </a:xfrm>
           <a:prstGeom prst="rect">
             <a:avLst/>
           </a:prstGeom>
-          <a:noFill/>
+          <a:solidFill>
+            <a:srgbClr val="B4A7D6"/>
+          </a:solidFill>
           <a:ln>
             <a:noFill/>
           </a:ln>
@@ -7177,7 +9328,7 @@
           </a:bodyPr>
           <a:lstStyle/>
           <a:p>
-            <a:pPr indent="0" lvl="0" marL="0" rtl="0" algn="l">
+            <a:pPr indent="0" lvl="0" marL="0" rtl="0" algn="ctr">
               <a:spcBef>
                 <a:spcPts val="0"/>
               </a:spcBef>
@@ -7187,29 +9338,50 @@
               <a:buNone/>
             </a:pPr>
             <a:r>
-              <a:rPr lang="fr"/>
-              <a:t>I discover Gnoosic, so happy !</a:t>
+              <a:rPr lang="fr" sz="1200">
+                <a:latin typeface="Nunito"/>
+                <a:ea typeface="Nunito"/>
+                <a:cs typeface="Nunito"/>
+                <a:sym typeface="Nunito"/>
+              </a:rPr>
+              <a:t>“No way I let my email address…”</a:t>
             </a:r>
-            <a:endParaRPr/>
-          </a:p>
-          <a:p>
-            <a:pPr indent="0" lvl="0" marL="0" rtl="0" algn="l">
-              <a:spcBef>
-                <a:spcPts val="0"/>
-              </a:spcBef>
-              <a:spcAft>
-                <a:spcPts val="0"/>
-              </a:spcAft>
-              <a:buNone/>
-            </a:pPr>
-            <a:r>
-              <a:rPr lang="fr"/>
-              <a:t>I try …</a:t>
-            </a:r>
-            <a:endParaRPr/>
+            <a:endParaRPr sz="1200">
+              <a:latin typeface="Nunito"/>
+              <a:ea typeface="Nunito"/>
+              <a:cs typeface="Nunito"/>
+              <a:sym typeface="Nunito"/>
+            </a:endParaRPr>
           </a:p>
         </p:txBody>
       </p:sp>
+      <p:pic>
+        <p:nvPicPr>
+          <p:cNvPr id="118" name="Google Shape;118;p17"/>
+          <p:cNvPicPr preferRelativeResize="0"/>
+          <p:nvPr/>
+        </p:nvPicPr>
+        <p:blipFill rotWithShape="1">
+          <a:blip r:embed="rId7">
+            <a:alphaModFix/>
+          </a:blip>
+          <a:srcRect b="0" l="27060" r="0" t="0"/>
+          <a:stretch/>
+        </p:blipFill>
+        <p:spPr>
+          <a:xfrm>
+            <a:off x="5489900" y="78925"/>
+            <a:ext cx="3550100" cy="504825"/>
+          </a:xfrm>
+          <a:prstGeom prst="rect">
+            <a:avLst/>
+          </a:prstGeom>
+          <a:noFill/>
+          <a:ln>
+            <a:noFill/>
+          </a:ln>
+        </p:spPr>
+      </p:pic>
     </p:spTree>
   </p:cSld>
   <p:clrMapOvr>
@@ -7223,7 +9395,7 @@
   <p:cSld>
     <p:spTree>
       <p:nvGrpSpPr>
-        <p:cNvPr id="84" name="Shape 84"/>
+        <p:cNvPr id="122" name="Shape 122"/>
         <p:cNvGrpSpPr/>
         <p:nvPr/>
       </p:nvGrpSpPr>
@@ -7235,88 +9407,30 @@
           <a:chExt cx="0" cy="0"/>
         </a:xfrm>
       </p:grpSpPr>
-      <p:pic>
-        <p:nvPicPr>
-          <p:cNvPr id="85" name="Google Shape;85;p18"/>
-          <p:cNvPicPr preferRelativeResize="0"/>
-          <p:nvPr/>
-        </p:nvPicPr>
-        <p:blipFill>
-          <a:blip r:embed="rId3">
-            <a:alphaModFix/>
-          </a:blip>
-          <a:stretch>
-            <a:fillRect/>
-          </a:stretch>
-        </p:blipFill>
-        <p:spPr>
-          <a:xfrm>
-            <a:off x="152400" y="152400"/>
-            <a:ext cx="4867275" cy="504825"/>
+      <p:sp>
+        <p:nvSpPr>
+          <p:cNvPr id="123" name="Google Shape;123;p18"/>
+          <p:cNvSpPr txBox="1"/>
+          <p:nvPr>
+            <p:ph idx="1" type="subTitle"/>
+          </p:nvPr>
+        </p:nvSpPr>
+        <p:spPr>
+          <a:xfrm>
+            <a:off x="3600425" y="1639350"/>
+            <a:ext cx="5357700" cy="1864800"/>
           </a:xfrm>
           <a:prstGeom prst="rect">
             <a:avLst/>
           </a:prstGeom>
-          <a:noFill/>
-          <a:ln>
-            <a:noFill/>
-          </a:ln>
-        </p:spPr>
-      </p:pic>
-      <p:pic>
-        <p:nvPicPr>
-          <p:cNvPr id="86" name="Google Shape;86;p18"/>
-          <p:cNvPicPr preferRelativeResize="0"/>
-          <p:nvPr/>
-        </p:nvPicPr>
-        <p:blipFill>
-          <a:blip r:embed="rId4">
-            <a:alphaModFix/>
-          </a:blip>
-          <a:stretch>
-            <a:fillRect/>
-          </a:stretch>
-        </p:blipFill>
-        <p:spPr>
-          <a:xfrm>
-            <a:off x="152400" y="809625"/>
-            <a:ext cx="3600751" cy="2566101"/>
-          </a:xfrm>
-          <a:prstGeom prst="rect">
-            <a:avLst/>
-          </a:prstGeom>
-          <a:noFill/>
-          <a:ln>
-            <a:noFill/>
-          </a:ln>
-        </p:spPr>
-      </p:pic>
-      <p:sp>
-        <p:nvSpPr>
-          <p:cNvPr id="87" name="Google Shape;87;p18"/>
-          <p:cNvSpPr txBox="1"/>
-          <p:nvPr/>
-        </p:nvSpPr>
-        <p:spPr>
-          <a:xfrm>
-            <a:off x="6159025" y="1175400"/>
-            <a:ext cx="2576400" cy="831300"/>
-          </a:xfrm>
-          <a:prstGeom prst="rect">
-            <a:avLst/>
-          </a:prstGeom>
-          <a:noFill/>
-          <a:ln>
-            <a:noFill/>
-          </a:ln>
         </p:spPr>
         <p:txBody>
           <a:bodyPr anchorCtr="0" anchor="t" bIns="91425" lIns="91425" spcFirstLastPara="1" rIns="91425" wrap="square" tIns="91425">
-            <a:spAutoFit/>
+            <a:normAutofit lnSpcReduction="20000"/>
           </a:bodyPr>
           <a:lstStyle/>
           <a:p>
-            <a:pPr indent="0" lvl="0" marL="0" rtl="0" algn="l">
+            <a:pPr indent="0" lvl="0" marL="0" rtl="0" algn="ctr">
               <a:spcBef>
                 <a:spcPts val="0"/>
               </a:spcBef>
@@ -7326,13 +9440,29 @@
               <a:buNone/>
             </a:pPr>
             <a:r>
-              <a:rPr lang="fr"/>
-              <a:t>He feels so disappointed…</a:t>
+              <a:rPr lang="fr" sz="4200">
+                <a:solidFill>
+                  <a:srgbClr val="434343"/>
+                </a:solidFill>
+                <a:latin typeface="Spartan"/>
+                <a:ea typeface="Spartan"/>
+                <a:cs typeface="Spartan"/>
+                <a:sym typeface="Spartan"/>
+              </a:rPr>
+              <a:t>HOW TO PLEASE HARRY ?</a:t>
             </a:r>
-            <a:endParaRPr/>
+            <a:endParaRPr sz="4200">
+              <a:solidFill>
+                <a:srgbClr val="434343"/>
+              </a:solidFill>
+              <a:latin typeface="Spartan"/>
+              <a:ea typeface="Spartan"/>
+              <a:cs typeface="Spartan"/>
+              <a:sym typeface="Spartan"/>
+            </a:endParaRPr>
           </a:p>
           <a:p>
-            <a:pPr indent="0" lvl="0" marL="0" rtl="0" algn="l">
+            <a:pPr indent="0" lvl="0" marL="0" rtl="0" algn="ctr">
               <a:spcBef>
                 <a:spcPts val="0"/>
               </a:spcBef>
@@ -7342,12 +9472,29 @@
               <a:buNone/>
             </a:pPr>
             <a:r>
-              <a:t/>
+              <a:rPr lang="fr" sz="2000">
+                <a:solidFill>
+                  <a:srgbClr val="434343"/>
+                </a:solidFill>
+                <a:latin typeface="Spartan"/>
+                <a:ea typeface="Spartan"/>
+                <a:cs typeface="Spartan"/>
+                <a:sym typeface="Spartan"/>
+              </a:rPr>
+              <a:t> </a:t>
             </a:r>
-            <a:endParaRPr/>
+            <a:endParaRPr sz="2000">
+              <a:solidFill>
+                <a:srgbClr val="434343"/>
+              </a:solidFill>
+              <a:latin typeface="Spartan"/>
+              <a:ea typeface="Spartan"/>
+              <a:cs typeface="Spartan"/>
+              <a:sym typeface="Spartan"/>
+            </a:endParaRPr>
           </a:p>
           <a:p>
-            <a:pPr indent="0" lvl="0" marL="0" rtl="0" algn="l">
+            <a:pPr indent="0" lvl="0" marL="0" rtl="0" algn="ctr">
               <a:spcBef>
                 <a:spcPts val="0"/>
               </a:spcBef>
@@ -7357,31 +9504,73 @@
               <a:buNone/>
             </a:pPr>
             <a:r>
-              <a:rPr lang="fr"/>
-              <a:t>That’s all ??</a:t>
+              <a:rPr lang="fr">
+                <a:solidFill>
+                  <a:srgbClr val="8E7CC3"/>
+                </a:solidFill>
+                <a:latin typeface="Spartan"/>
+                <a:ea typeface="Spartan"/>
+                <a:cs typeface="Spartan"/>
+                <a:sym typeface="Spartan"/>
+              </a:rPr>
+              <a:t>→ with GNOOTIP…</a:t>
             </a:r>
-            <a:endParaRPr/>
+            <a:endParaRPr>
+              <a:solidFill>
+                <a:srgbClr val="8E7CC3"/>
+              </a:solidFill>
+              <a:latin typeface="Spartan"/>
+              <a:ea typeface="Spartan"/>
+              <a:cs typeface="Spartan"/>
+              <a:sym typeface="Spartan"/>
+            </a:endParaRPr>
           </a:p>
         </p:txBody>
       </p:sp>
       <p:pic>
         <p:nvPicPr>
-          <p:cNvPr id="88" name="Google Shape;88;p18"/>
+          <p:cNvPr id="124" name="Google Shape;124;p18"/>
           <p:cNvPicPr preferRelativeResize="0"/>
           <p:nvPr/>
         </p:nvPicPr>
-        <p:blipFill>
-          <a:blip r:embed="rId5">
+        <p:blipFill rotWithShape="1">
+          <a:blip r:embed="rId3">
             <a:alphaModFix/>
           </a:blip>
-          <a:stretch>
-            <a:fillRect/>
-          </a:stretch>
+          <a:srcRect b="0" l="30306" r="25522" t="0"/>
+          <a:stretch/>
         </p:blipFill>
         <p:spPr>
           <a:xfrm>
-            <a:off x="3905551" y="2159100"/>
-            <a:ext cx="4513124" cy="2832000"/>
+            <a:off x="0" y="0"/>
+            <a:ext cx="3409926" cy="5143501"/>
+          </a:xfrm>
+          <a:prstGeom prst="rect">
+            <a:avLst/>
+          </a:prstGeom>
+          <a:noFill/>
+          <a:ln>
+            <a:noFill/>
+          </a:ln>
+        </p:spPr>
+      </p:pic>
+      <p:pic>
+        <p:nvPicPr>
+          <p:cNvPr id="125" name="Google Shape;125;p18"/>
+          <p:cNvPicPr preferRelativeResize="0"/>
+          <p:nvPr/>
+        </p:nvPicPr>
+        <p:blipFill rotWithShape="1">
+          <a:blip r:embed="rId4">
+            <a:alphaModFix/>
+          </a:blip>
+          <a:srcRect b="0" l="27060" r="0" t="0"/>
+          <a:stretch/>
+        </p:blipFill>
+        <p:spPr>
+          <a:xfrm>
+            <a:off x="5489900" y="78925"/>
+            <a:ext cx="3550100" cy="504825"/>
           </a:xfrm>
           <a:prstGeom prst="rect">
             <a:avLst/>
@@ -7405,7 +9594,280 @@
   <p:cSld>
     <p:spTree>
       <p:nvGrpSpPr>
-        <p:cNvPr id="92" name="Shape 92"/>
+        <p:cNvPr id="129" name="Shape 129"/>
+        <p:cNvGrpSpPr/>
+        <p:nvPr/>
+      </p:nvGrpSpPr>
+      <p:grpSpPr>
+        <a:xfrm>
+          <a:off x="0" y="0"/>
+          <a:ext cx="0" cy="0"/>
+          <a:chOff x="0" y="0"/>
+          <a:chExt cx="0" cy="0"/>
+        </a:xfrm>
+      </p:grpSpPr>
+      <p:sp>
+        <p:nvSpPr>
+          <p:cNvPr id="130" name="Google Shape;130;p19"/>
+          <p:cNvSpPr txBox="1"/>
+          <p:nvPr/>
+        </p:nvSpPr>
+        <p:spPr>
+          <a:xfrm>
+            <a:off x="209913" y="1224913"/>
+            <a:ext cx="3702600" cy="415500"/>
+          </a:xfrm>
+          <a:prstGeom prst="rect">
+            <a:avLst/>
+          </a:prstGeom>
+          <a:noFill/>
+          <a:ln>
+            <a:noFill/>
+          </a:ln>
+        </p:spPr>
+        <p:txBody>
+          <a:bodyPr anchorCtr="0" anchor="t" bIns="91425" lIns="91425" spcFirstLastPara="1" rIns="91425" wrap="square" tIns="91425">
+            <a:spAutoFit/>
+          </a:bodyPr>
+          <a:lstStyle/>
+          <a:p>
+            <a:pPr indent="0" lvl="0" marL="0" rtl="0" algn="ctr">
+              <a:spcBef>
+                <a:spcPts val="0"/>
+              </a:spcBef>
+              <a:spcAft>
+                <a:spcPts val="0"/>
+              </a:spcAft>
+              <a:buNone/>
+            </a:pPr>
+            <a:r>
+              <a:rPr b="1" lang="fr" sz="1500">
+                <a:solidFill>
+                  <a:srgbClr val="8E7CC3"/>
+                </a:solidFill>
+                <a:highlight>
+                  <a:srgbClr val="FFFFFF"/>
+                </a:highlight>
+              </a:rPr>
+              <a:t>Recommend songs (not only bands)...</a:t>
+            </a:r>
+            <a:endParaRPr b="1" sz="1700">
+              <a:solidFill>
+                <a:srgbClr val="8E7CC3"/>
+              </a:solidFill>
+              <a:latin typeface="Nunito"/>
+              <a:ea typeface="Nunito"/>
+              <a:cs typeface="Nunito"/>
+              <a:sym typeface="Nunito"/>
+            </a:endParaRPr>
+          </a:p>
+        </p:txBody>
+      </p:sp>
+      <p:sp>
+        <p:nvSpPr>
+          <p:cNvPr id="131" name="Google Shape;131;p19"/>
+          <p:cNvSpPr txBox="1"/>
+          <p:nvPr/>
+        </p:nvSpPr>
+        <p:spPr>
+          <a:xfrm>
+            <a:off x="2402002" y="2166563"/>
+            <a:ext cx="4151100" cy="646500"/>
+          </a:xfrm>
+          <a:prstGeom prst="rect">
+            <a:avLst/>
+          </a:prstGeom>
+          <a:noFill/>
+          <a:ln>
+            <a:noFill/>
+          </a:ln>
+        </p:spPr>
+        <p:txBody>
+          <a:bodyPr anchorCtr="0" anchor="t" bIns="91425" lIns="91425" spcFirstLastPara="1" rIns="91425" wrap="square" tIns="91425">
+            <a:spAutoFit/>
+          </a:bodyPr>
+          <a:lstStyle/>
+          <a:p>
+            <a:pPr indent="0" lvl="0" marL="0" rtl="0" algn="ctr">
+              <a:spcBef>
+                <a:spcPts val="0"/>
+              </a:spcBef>
+              <a:spcAft>
+                <a:spcPts val="0"/>
+              </a:spcAft>
+              <a:buNone/>
+            </a:pPr>
+            <a:r>
+              <a:rPr b="1" lang="fr" sz="1500">
+                <a:solidFill>
+                  <a:srgbClr val="8E7CC3"/>
+                </a:solidFill>
+                <a:highlight>
+                  <a:srgbClr val="FFFFFF"/>
+                </a:highlight>
+              </a:rPr>
+              <a:t>…that are actually similar to the ones they picked from an acoustic point of view…</a:t>
+            </a:r>
+            <a:endParaRPr b="1" sz="1700">
+              <a:solidFill>
+                <a:srgbClr val="8E7CC3"/>
+              </a:solidFill>
+              <a:latin typeface="Nunito"/>
+              <a:ea typeface="Nunito"/>
+              <a:cs typeface="Nunito"/>
+              <a:sym typeface="Nunito"/>
+            </a:endParaRPr>
+          </a:p>
+        </p:txBody>
+      </p:sp>
+      <p:sp>
+        <p:nvSpPr>
+          <p:cNvPr id="132" name="Google Shape;132;p19"/>
+          <p:cNvSpPr txBox="1"/>
+          <p:nvPr/>
+        </p:nvSpPr>
+        <p:spPr>
+          <a:xfrm>
+            <a:off x="4240775" y="3503088"/>
+            <a:ext cx="4781100" cy="415500"/>
+          </a:xfrm>
+          <a:prstGeom prst="rect">
+            <a:avLst/>
+          </a:prstGeom>
+          <a:noFill/>
+          <a:ln>
+            <a:noFill/>
+          </a:ln>
+        </p:spPr>
+        <p:txBody>
+          <a:bodyPr anchorCtr="0" anchor="t" bIns="91425" lIns="91425" spcFirstLastPara="1" rIns="91425" wrap="square" tIns="91425">
+            <a:spAutoFit/>
+          </a:bodyPr>
+          <a:lstStyle/>
+          <a:p>
+            <a:pPr indent="0" lvl="0" marL="0" rtl="0" algn="ctr">
+              <a:spcBef>
+                <a:spcPts val="0"/>
+              </a:spcBef>
+              <a:spcAft>
+                <a:spcPts val="0"/>
+              </a:spcAft>
+              <a:buNone/>
+            </a:pPr>
+            <a:r>
+              <a:rPr b="1" lang="fr" sz="1500">
+                <a:solidFill>
+                  <a:srgbClr val="8E7CC3"/>
+                </a:solidFill>
+                <a:highlight>
+                  <a:srgbClr val="FFFFFF"/>
+                </a:highlight>
+              </a:rPr>
+              <a:t> …or t</a:t>
+            </a:r>
+            <a:r>
+              <a:rPr b="1" lang="fr" sz="1500">
+                <a:solidFill>
+                  <a:srgbClr val="8E7CC3"/>
+                </a:solidFill>
+                <a:highlight>
+                  <a:srgbClr val="FFFFFF"/>
+                </a:highlight>
+              </a:rPr>
+              <a:t>hat are </a:t>
+            </a:r>
+            <a:r>
+              <a:rPr b="1" lang="fr" sz="1500">
+                <a:solidFill>
+                  <a:srgbClr val="8E7CC3"/>
+                </a:solidFill>
+                <a:highlight>
+                  <a:srgbClr val="FFFFFF"/>
+                </a:highlight>
+              </a:rPr>
+              <a:t>popular around the world right now</a:t>
+            </a:r>
+            <a:endParaRPr b="1" sz="1700">
+              <a:solidFill>
+                <a:srgbClr val="8E7CC3"/>
+              </a:solidFill>
+              <a:latin typeface="Nunito"/>
+              <a:ea typeface="Nunito"/>
+              <a:cs typeface="Nunito"/>
+              <a:sym typeface="Nunito"/>
+            </a:endParaRPr>
+          </a:p>
+        </p:txBody>
+      </p:sp>
+      <p:pic>
+        <p:nvPicPr>
+          <p:cNvPr id="133" name="Google Shape;133;p19"/>
+          <p:cNvPicPr preferRelativeResize="0"/>
+          <p:nvPr/>
+        </p:nvPicPr>
+        <p:blipFill>
+          <a:blip r:embed="rId3">
+            <a:alphaModFix/>
+          </a:blip>
+          <a:stretch>
+            <a:fillRect/>
+          </a:stretch>
+        </p:blipFill>
+        <p:spPr>
+          <a:xfrm>
+            <a:off x="0" y="3117863"/>
+            <a:ext cx="3040356" cy="2025637"/>
+          </a:xfrm>
+          <a:prstGeom prst="rect">
+            <a:avLst/>
+          </a:prstGeom>
+          <a:noFill/>
+          <a:ln>
+            <a:noFill/>
+          </a:ln>
+        </p:spPr>
+      </p:pic>
+      <p:pic>
+        <p:nvPicPr>
+          <p:cNvPr id="134" name="Google Shape;134;p19"/>
+          <p:cNvPicPr preferRelativeResize="0"/>
+          <p:nvPr/>
+        </p:nvPicPr>
+        <p:blipFill rotWithShape="1">
+          <a:blip r:embed="rId4">
+            <a:alphaModFix/>
+          </a:blip>
+          <a:srcRect b="0" l="27060" r="0" t="0"/>
+          <a:stretch/>
+        </p:blipFill>
+        <p:spPr>
+          <a:xfrm>
+            <a:off x="5489900" y="78925"/>
+            <a:ext cx="3550100" cy="504825"/>
+          </a:xfrm>
+          <a:prstGeom prst="rect">
+            <a:avLst/>
+          </a:prstGeom>
+          <a:noFill/>
+          <a:ln>
+            <a:noFill/>
+          </a:ln>
+        </p:spPr>
+      </p:pic>
+    </p:spTree>
+  </p:cSld>
+  <p:clrMapOvr>
+    <a:masterClrMapping/>
+  </p:clrMapOvr>
+</p:sld>
+</file>
+
+<file path=ppt/slides/slide7.xml><?xml version="1.0" encoding="utf-8"?>
+<p:sld xmlns:a="http://schemas.openxmlformats.org/drawingml/2006/main" xmlns:r="http://schemas.openxmlformats.org/officeDocument/2006/relationships" xmlns:mc="http://schemas.openxmlformats.org/markup-compatibility/2006" xmlns:mv="urn:schemas-microsoft-com:mac:vml" xmlns:p="http://schemas.openxmlformats.org/presentationml/2006/main" xmlns:c="http://schemas.openxmlformats.org/drawingml/2006/chart" xmlns:dgm="http://schemas.openxmlformats.org/drawingml/2006/diagram" xmlns:o="urn:schemas-microsoft-com:office:office" xmlns:v="urn:schemas-microsoft-com:vml" xmlns:pvml="urn:schemas-microsoft-com:office:powerpoint" xmlns:com="http://schemas.openxmlformats.org/drawingml/2006/compatibility" xmlns:p14="http://schemas.microsoft.com/office/powerpoint/2010/main" xmlns:p15="http://schemas.microsoft.com/office/powerpoint/2012/main" xmlns:ahyp="http://schemas.microsoft.com/office/drawing/2018/hyperlinkcolor">
+  <p:cSld>
+    <p:spTree>
+      <p:nvGrpSpPr>
+        <p:cNvPr id="138" name="Shape 138"/>
         <p:cNvGrpSpPr/>
         <p:nvPr/>
       </p:nvGrpSpPr>
@@ -7419,7 +9881,7 @@
       </p:grpSpPr>
       <p:pic>
         <p:nvPicPr>
-          <p:cNvPr id="93" name="Google Shape;93;p19"/>
+          <p:cNvPr id="139" name="Google Shape;139;p20"/>
           <p:cNvPicPr preferRelativeResize="0"/>
           <p:nvPr/>
         </p:nvPicPr>
@@ -7433,8 +9895,8 @@
         </p:blipFill>
         <p:spPr>
           <a:xfrm>
-            <a:off x="152400" y="152400"/>
-            <a:ext cx="4867275" cy="504825"/>
+            <a:off x="2120775" y="3557375"/>
+            <a:ext cx="2025525" cy="1486200"/>
           </a:xfrm>
           <a:prstGeom prst="rect">
             <a:avLst/>
@@ -7447,14 +9909,315 @@
       </p:pic>
       <p:sp>
         <p:nvSpPr>
-          <p:cNvPr id="94" name="Google Shape;94;p19"/>
+          <p:cNvPr id="140" name="Google Shape;140;p20"/>
           <p:cNvSpPr txBox="1"/>
+          <p:nvPr>
+            <p:ph idx="1" type="subTitle"/>
+          </p:nvPr>
+        </p:nvSpPr>
+        <p:spPr>
+          <a:xfrm>
+            <a:off x="864600" y="675950"/>
+            <a:ext cx="7414800" cy="1864800"/>
+          </a:xfrm>
+          <a:prstGeom prst="rect">
+            <a:avLst/>
+          </a:prstGeom>
+        </p:spPr>
+        <p:txBody>
+          <a:bodyPr anchorCtr="0" anchor="t" bIns="91425" lIns="91425" spcFirstLastPara="1" rIns="91425" wrap="square" tIns="91425">
+            <a:normAutofit/>
+          </a:bodyPr>
+          <a:lstStyle/>
+          <a:p>
+            <a:pPr indent="0" lvl="0" marL="0" rtl="0" algn="ctr">
+              <a:spcBef>
+                <a:spcPts val="0"/>
+              </a:spcBef>
+              <a:spcAft>
+                <a:spcPts val="0"/>
+              </a:spcAft>
+              <a:buNone/>
+            </a:pPr>
+            <a:r>
+              <a:rPr lang="fr" sz="4200">
+                <a:solidFill>
+                  <a:srgbClr val="434343"/>
+                </a:solidFill>
+                <a:latin typeface="Spartan"/>
+                <a:ea typeface="Spartan"/>
+                <a:cs typeface="Spartan"/>
+                <a:sym typeface="Spartan"/>
+              </a:rPr>
+              <a:t>What we came up with…</a:t>
+            </a:r>
+            <a:endParaRPr>
+              <a:solidFill>
+                <a:srgbClr val="8E7CC3"/>
+              </a:solidFill>
+              <a:latin typeface="Spartan"/>
+              <a:ea typeface="Spartan"/>
+              <a:cs typeface="Spartan"/>
+              <a:sym typeface="Spartan"/>
+            </a:endParaRPr>
+          </a:p>
+        </p:txBody>
+      </p:sp>
+      <p:sp>
+        <p:nvSpPr>
+          <p:cNvPr id="141" name="Google Shape;141;p20"/>
+          <p:cNvSpPr/>
           <p:nvPr/>
         </p:nvSpPr>
         <p:spPr>
           <a:xfrm>
-            <a:off x="1419875" y="1109575"/>
-            <a:ext cx="5613600" cy="400200"/>
+            <a:off x="477425" y="1707500"/>
+            <a:ext cx="1551300" cy="1070700"/>
+          </a:xfrm>
+          <a:prstGeom prst="homePlate">
+            <a:avLst>
+              <a:gd fmla="val 50000" name="adj"/>
+            </a:avLst>
+          </a:prstGeom>
+          <a:solidFill>
+            <a:srgbClr val="B4A7D6"/>
+          </a:solidFill>
+          <a:ln>
+            <a:noFill/>
+          </a:ln>
+        </p:spPr>
+        <p:txBody>
+          <a:bodyPr anchorCtr="0" anchor="ctr" bIns="91425" lIns="91425" spcFirstLastPara="1" rIns="91425" wrap="square" tIns="91425">
+            <a:noAutofit/>
+          </a:bodyPr>
+          <a:lstStyle/>
+          <a:p>
+            <a:pPr indent="-298450" lvl="0" marL="457200" rtl="0" algn="l">
+              <a:spcBef>
+                <a:spcPts val="0"/>
+              </a:spcBef>
+              <a:spcAft>
+                <a:spcPts val="0"/>
+              </a:spcAft>
+              <a:buSzPts val="1100"/>
+              <a:buFont typeface="Nunito"/>
+              <a:buAutoNum type="arabicPeriod"/>
+            </a:pPr>
+            <a:r>
+              <a:rPr lang="fr" sz="1100">
+                <a:latin typeface="Nunito"/>
+                <a:ea typeface="Nunito"/>
+                <a:cs typeface="Nunito"/>
+                <a:sym typeface="Nunito"/>
+              </a:rPr>
+              <a:t>The user </a:t>
+            </a:r>
+            <a:r>
+              <a:rPr b="1" lang="fr" sz="1100">
+                <a:latin typeface="Nunito"/>
+                <a:ea typeface="Nunito"/>
+                <a:cs typeface="Nunito"/>
+                <a:sym typeface="Nunito"/>
+              </a:rPr>
+              <a:t>input a song</a:t>
+            </a:r>
+            <a:r>
+              <a:rPr lang="fr" sz="1100">
+                <a:latin typeface="Nunito"/>
+                <a:ea typeface="Nunito"/>
+                <a:cs typeface="Nunito"/>
+                <a:sym typeface="Nunito"/>
+              </a:rPr>
+              <a:t> that he loves</a:t>
+            </a:r>
+            <a:endParaRPr sz="1100">
+              <a:latin typeface="Nunito"/>
+              <a:ea typeface="Nunito"/>
+              <a:cs typeface="Nunito"/>
+              <a:sym typeface="Nunito"/>
+            </a:endParaRPr>
+          </a:p>
+        </p:txBody>
+      </p:sp>
+      <p:sp>
+        <p:nvSpPr>
+          <p:cNvPr id="142" name="Google Shape;142;p20"/>
+          <p:cNvSpPr/>
+          <p:nvPr/>
+        </p:nvSpPr>
+        <p:spPr>
+          <a:xfrm>
+            <a:off x="2028725" y="1707450"/>
+            <a:ext cx="2372100" cy="1070700"/>
+          </a:xfrm>
+          <a:prstGeom prst="chevron">
+            <a:avLst>
+              <a:gd fmla="val 50000" name="adj"/>
+            </a:avLst>
+          </a:prstGeom>
+          <a:solidFill>
+            <a:srgbClr val="B4A7D6"/>
+          </a:solidFill>
+          <a:ln>
+            <a:noFill/>
+          </a:ln>
+        </p:spPr>
+        <p:txBody>
+          <a:bodyPr anchorCtr="0" anchor="ctr" bIns="91425" lIns="91425" spcFirstLastPara="1" rIns="91425" wrap="square" tIns="91425">
+            <a:noAutofit/>
+          </a:bodyPr>
+          <a:lstStyle/>
+          <a:p>
+            <a:pPr indent="0" lvl="0" marL="0" rtl="0" algn="l">
+              <a:spcBef>
+                <a:spcPts val="0"/>
+              </a:spcBef>
+              <a:spcAft>
+                <a:spcPts val="0"/>
+              </a:spcAft>
+              <a:buNone/>
+            </a:pPr>
+            <a:r>
+              <a:rPr lang="fr" sz="1100"/>
+              <a:t>2. The app retrieves the given song from spotify database (and ask to precise if needed)</a:t>
+            </a:r>
+            <a:endParaRPr sz="1100"/>
+          </a:p>
+        </p:txBody>
+      </p:sp>
+      <p:sp>
+        <p:nvSpPr>
+          <p:cNvPr id="143" name="Google Shape;143;p20"/>
+          <p:cNvSpPr/>
+          <p:nvPr/>
+        </p:nvSpPr>
+        <p:spPr>
+          <a:xfrm>
+            <a:off x="4400825" y="1707450"/>
+            <a:ext cx="2272500" cy="1070700"/>
+          </a:xfrm>
+          <a:prstGeom prst="chevron">
+            <a:avLst>
+              <a:gd fmla="val 50000" name="adj"/>
+            </a:avLst>
+          </a:prstGeom>
+          <a:solidFill>
+            <a:srgbClr val="B4A7D6"/>
+          </a:solidFill>
+          <a:ln>
+            <a:noFill/>
+          </a:ln>
+        </p:spPr>
+        <p:txBody>
+          <a:bodyPr anchorCtr="0" anchor="ctr" bIns="91425" lIns="91425" spcFirstLastPara="1" rIns="91425" wrap="square" tIns="91425">
+            <a:noAutofit/>
+          </a:bodyPr>
+          <a:lstStyle/>
+          <a:p>
+            <a:pPr indent="0" lvl="0" marL="0" rtl="0" algn="l">
+              <a:spcBef>
+                <a:spcPts val="0"/>
+              </a:spcBef>
+              <a:spcAft>
+                <a:spcPts val="0"/>
+              </a:spcAft>
+              <a:buNone/>
+            </a:pPr>
+            <a:r>
+              <a:rPr lang="fr" sz="1100"/>
+              <a:t>3. The app advises </a:t>
+            </a:r>
+            <a:r>
+              <a:rPr b="1" lang="fr" sz="1100"/>
+              <a:t>3 songs</a:t>
+            </a:r>
+            <a:r>
+              <a:rPr lang="fr" sz="1100"/>
+              <a:t> related to the user’s taste with a link to try it</a:t>
+            </a:r>
+            <a:endParaRPr sz="1100"/>
+          </a:p>
+        </p:txBody>
+      </p:sp>
+      <p:sp>
+        <p:nvSpPr>
+          <p:cNvPr id="144" name="Google Shape;144;p20"/>
+          <p:cNvSpPr/>
+          <p:nvPr/>
+        </p:nvSpPr>
+        <p:spPr>
+          <a:xfrm>
+            <a:off x="6673325" y="1707500"/>
+            <a:ext cx="2225400" cy="1070700"/>
+          </a:xfrm>
+          <a:prstGeom prst="chevron">
+            <a:avLst>
+              <a:gd fmla="val 50000" name="adj"/>
+            </a:avLst>
+          </a:prstGeom>
+          <a:solidFill>
+            <a:srgbClr val="B4A7D6"/>
+          </a:solidFill>
+          <a:ln>
+            <a:noFill/>
+          </a:ln>
+        </p:spPr>
+        <p:txBody>
+          <a:bodyPr anchorCtr="0" anchor="ctr" bIns="91425" lIns="91425" spcFirstLastPara="1" rIns="91425" wrap="square" tIns="91425">
+            <a:noAutofit/>
+          </a:bodyPr>
+          <a:lstStyle/>
+          <a:p>
+            <a:pPr indent="0" lvl="0" marL="0" rtl="0" algn="l">
+              <a:spcBef>
+                <a:spcPts val="0"/>
+              </a:spcBef>
+              <a:spcAft>
+                <a:spcPts val="0"/>
+              </a:spcAft>
+              <a:buNone/>
+            </a:pPr>
+            <a:r>
+              <a:rPr lang="fr" sz="1100"/>
+              <a:t>4. Ask for </a:t>
+            </a:r>
+            <a:r>
+              <a:rPr b="1" lang="fr" sz="1100"/>
+              <a:t>feedback</a:t>
+            </a:r>
+            <a:r>
+              <a:rPr lang="fr" sz="1100"/>
+              <a:t> and </a:t>
+            </a:r>
+            <a:r>
+              <a:rPr b="1" lang="fr" sz="1100"/>
+              <a:t>email</a:t>
+            </a:r>
+            <a:r>
+              <a:rPr lang="fr" sz="1100"/>
+              <a:t> address (useful to create a community)</a:t>
+            </a:r>
+            <a:endParaRPr sz="1100"/>
+          </a:p>
+        </p:txBody>
+      </p:sp>
+      <p:pic>
+        <p:nvPicPr>
+          <p:cNvPr id="145" name="Google Shape;145;p20"/>
+          <p:cNvPicPr preferRelativeResize="0"/>
+          <p:nvPr/>
+        </p:nvPicPr>
+        <p:blipFill rotWithShape="1">
+          <a:blip r:embed="rId4">
+            <a:alphaModFix/>
+          </a:blip>
+          <a:srcRect b="0" l="12375" r="39471" t="0"/>
+          <a:stretch/>
+        </p:blipFill>
+        <p:spPr>
+          <a:xfrm>
+            <a:off x="0" y="2972950"/>
+            <a:ext cx="2555255" cy="504825"/>
           </a:xfrm>
           <a:prstGeom prst="rect">
             <a:avLst/>
@@ -7464,29 +10227,90 @@
             <a:noFill/>
           </a:ln>
         </p:spPr>
-        <p:txBody>
-          <a:bodyPr anchorCtr="0" anchor="t" bIns="91425" lIns="91425" spcFirstLastPara="1" rIns="91425" wrap="square" tIns="91425">
-            <a:spAutoFit/>
-          </a:bodyPr>
-          <a:lstStyle/>
-          <a:p>
-            <a:pPr indent="0" lvl="0" marL="0" rtl="0" algn="l">
-              <a:spcBef>
-                <a:spcPts val="0"/>
-              </a:spcBef>
-              <a:spcAft>
-                <a:spcPts val="0"/>
-              </a:spcAft>
-              <a:buNone/>
-            </a:pPr>
-            <a:r>
-              <a:rPr lang="fr"/>
-              <a:t>TASK - see business case</a:t>
-            </a:r>
-            <a:endParaRPr/>
-          </a:p>
-        </p:txBody>
-      </p:sp>
+      </p:pic>
+      <p:pic>
+        <p:nvPicPr>
+          <p:cNvPr id="146" name="Google Shape;146;p20"/>
+          <p:cNvPicPr preferRelativeResize="0"/>
+          <p:nvPr/>
+        </p:nvPicPr>
+        <p:blipFill>
+          <a:blip r:embed="rId5">
+            <a:alphaModFix/>
+          </a:blip>
+          <a:stretch>
+            <a:fillRect/>
+          </a:stretch>
+        </p:blipFill>
+        <p:spPr>
+          <a:xfrm>
+            <a:off x="4083237" y="2972950"/>
+            <a:ext cx="2907674" cy="839050"/>
+          </a:xfrm>
+          <a:prstGeom prst="rect">
+            <a:avLst/>
+          </a:prstGeom>
+          <a:noFill/>
+          <a:ln>
+            <a:noFill/>
+          </a:ln>
+        </p:spPr>
+      </p:pic>
+      <p:pic>
+        <p:nvPicPr>
+          <p:cNvPr id="147" name="Google Shape;147;p20"/>
+          <p:cNvPicPr preferRelativeResize="0"/>
+          <p:nvPr/>
+        </p:nvPicPr>
+        <p:blipFill>
+          <a:blip r:embed="rId6">
+            <a:alphaModFix/>
+          </a:blip>
+          <a:stretch>
+            <a:fillRect/>
+          </a:stretch>
+        </p:blipFill>
+        <p:spPr>
+          <a:xfrm>
+            <a:off x="5434850" y="4199100"/>
+            <a:ext cx="3660200" cy="427950"/>
+          </a:xfrm>
+          <a:prstGeom prst="rect">
+            <a:avLst/>
+          </a:prstGeom>
+          <a:noFill/>
+          <a:ln>
+            <a:noFill/>
+          </a:ln>
+        </p:spPr>
+      </p:pic>
+      <p:pic>
+        <p:nvPicPr>
+          <p:cNvPr id="148" name="Google Shape;148;p20"/>
+          <p:cNvPicPr preferRelativeResize="0"/>
+          <p:nvPr/>
+        </p:nvPicPr>
+        <p:blipFill rotWithShape="1">
+          <a:blip r:embed="rId7">
+            <a:alphaModFix/>
+          </a:blip>
+          <a:srcRect b="0" l="27060" r="0" t="0"/>
+          <a:stretch/>
+        </p:blipFill>
+        <p:spPr>
+          <a:xfrm>
+            <a:off x="5489900" y="78925"/>
+            <a:ext cx="3550100" cy="504825"/>
+          </a:xfrm>
+          <a:prstGeom prst="rect">
+            <a:avLst/>
+          </a:prstGeom>
+          <a:noFill/>
+          <a:ln>
+            <a:noFill/>
+          </a:ln>
+        </p:spPr>
+      </p:pic>
     </p:spTree>
   </p:cSld>
   <p:clrMapOvr>
@@ -7495,12 +10319,347 @@
 </p:sld>
 </file>
 
-<file path=ppt/slides/slide7.xml><?xml version="1.0" encoding="utf-8"?>
+<file path=ppt/slides/slide8.xml><?xml version="1.0" encoding="utf-8"?>
 <p:sld xmlns:a="http://schemas.openxmlformats.org/drawingml/2006/main" xmlns:r="http://schemas.openxmlformats.org/officeDocument/2006/relationships" xmlns:mc="http://schemas.openxmlformats.org/markup-compatibility/2006" xmlns:mv="urn:schemas-microsoft-com:mac:vml" xmlns:p="http://schemas.openxmlformats.org/presentationml/2006/main" xmlns:c="http://schemas.openxmlformats.org/drawingml/2006/chart" xmlns:dgm="http://schemas.openxmlformats.org/drawingml/2006/diagram" xmlns:o="urn:schemas-microsoft-com:office:office" xmlns:v="urn:schemas-microsoft-com:vml" xmlns:pvml="urn:schemas-microsoft-com:office:powerpoint" xmlns:com="http://schemas.openxmlformats.org/drawingml/2006/compatibility" xmlns:p14="http://schemas.microsoft.com/office/powerpoint/2010/main" xmlns:p15="http://schemas.microsoft.com/office/powerpoint/2012/main" xmlns:ahyp="http://schemas.microsoft.com/office/drawing/2018/hyperlinkcolor">
   <p:cSld>
     <p:spTree>
       <p:nvGrpSpPr>
-        <p:cNvPr id="98" name="Shape 98"/>
+        <p:cNvPr id="152" name="Shape 152"/>
+        <p:cNvGrpSpPr/>
+        <p:nvPr/>
+      </p:nvGrpSpPr>
+      <p:grpSpPr>
+        <a:xfrm>
+          <a:off x="0" y="0"/>
+          <a:ext cx="0" cy="0"/>
+          <a:chOff x="0" y="0"/>
+          <a:chExt cx="0" cy="0"/>
+        </a:xfrm>
+      </p:grpSpPr>
+      <p:sp>
+        <p:nvSpPr>
+          <p:cNvPr id="153" name="Google Shape;153;p21"/>
+          <p:cNvSpPr txBox="1"/>
+          <p:nvPr/>
+        </p:nvSpPr>
+        <p:spPr>
+          <a:xfrm>
+            <a:off x="551950" y="625225"/>
+            <a:ext cx="4077300" cy="4155900"/>
+          </a:xfrm>
+          <a:prstGeom prst="rect">
+            <a:avLst/>
+          </a:prstGeom>
+          <a:noFill/>
+          <a:ln>
+            <a:noFill/>
+          </a:ln>
+        </p:spPr>
+        <p:txBody>
+          <a:bodyPr anchorCtr="0" anchor="t" bIns="91425" lIns="91425" spcFirstLastPara="1" rIns="91425" wrap="square" tIns="91425">
+            <a:spAutoFit/>
+          </a:bodyPr>
+          <a:lstStyle/>
+          <a:p>
+            <a:pPr indent="0" lvl="0" marL="0" rtl="0" algn="ctr">
+              <a:spcBef>
+                <a:spcPts val="0"/>
+              </a:spcBef>
+              <a:spcAft>
+                <a:spcPts val="0"/>
+              </a:spcAft>
+              <a:buNone/>
+            </a:pPr>
+            <a:r>
+              <a:rPr b="1" lang="fr" sz="1600">
+                <a:latin typeface="Nunito"/>
+                <a:ea typeface="Nunito"/>
+                <a:cs typeface="Nunito"/>
+                <a:sym typeface="Nunito"/>
+              </a:rPr>
+              <a:t>To make GNOOTIP the perfect song recommender, we would need more budget to…</a:t>
+            </a:r>
+            <a:endParaRPr b="1" sz="1600">
+              <a:latin typeface="Nunito"/>
+              <a:ea typeface="Nunito"/>
+              <a:cs typeface="Nunito"/>
+              <a:sym typeface="Nunito"/>
+            </a:endParaRPr>
+          </a:p>
+          <a:p>
+            <a:pPr indent="0" lvl="0" marL="0" rtl="0" algn="l">
+              <a:spcBef>
+                <a:spcPts val="0"/>
+              </a:spcBef>
+              <a:spcAft>
+                <a:spcPts val="0"/>
+              </a:spcAft>
+              <a:buNone/>
+            </a:pPr>
+            <a:r>
+              <a:t/>
+            </a:r>
+            <a:endParaRPr>
+              <a:latin typeface="Nunito"/>
+              <a:ea typeface="Nunito"/>
+              <a:cs typeface="Nunito"/>
+              <a:sym typeface="Nunito"/>
+            </a:endParaRPr>
+          </a:p>
+          <a:p>
+            <a:pPr indent="-317500" lvl="0" marL="457200" rtl="0" algn="l">
+              <a:spcBef>
+                <a:spcPts val="0"/>
+              </a:spcBef>
+              <a:spcAft>
+                <a:spcPts val="0"/>
+              </a:spcAft>
+              <a:buClr>
+                <a:srgbClr val="674EA7"/>
+              </a:buClr>
+              <a:buSzPts val="1400"/>
+              <a:buFont typeface="Nunito"/>
+              <a:buChar char="★"/>
+            </a:pPr>
+            <a:r>
+              <a:rPr lang="fr">
+                <a:latin typeface="Nunito"/>
+                <a:ea typeface="Nunito"/>
+                <a:cs typeface="Nunito"/>
+                <a:sym typeface="Nunito"/>
+              </a:rPr>
+              <a:t> add many songs and playlists (objective = 100k songs) to the model to increase its performance and recommend songs that are very close to the user’s input</a:t>
+            </a:r>
+            <a:endParaRPr>
+              <a:latin typeface="Nunito"/>
+              <a:ea typeface="Nunito"/>
+              <a:cs typeface="Nunito"/>
+              <a:sym typeface="Nunito"/>
+            </a:endParaRPr>
+          </a:p>
+          <a:p>
+            <a:pPr indent="0" lvl="0" marL="0" rtl="0" algn="l">
+              <a:spcBef>
+                <a:spcPts val="0"/>
+              </a:spcBef>
+              <a:spcAft>
+                <a:spcPts val="0"/>
+              </a:spcAft>
+              <a:buNone/>
+            </a:pPr>
+            <a:r>
+              <a:t/>
+            </a:r>
+            <a:endParaRPr>
+              <a:latin typeface="Nunito"/>
+              <a:ea typeface="Nunito"/>
+              <a:cs typeface="Nunito"/>
+              <a:sym typeface="Nunito"/>
+            </a:endParaRPr>
+          </a:p>
+          <a:p>
+            <a:pPr indent="-317500" lvl="0" marL="457200" rtl="0" algn="l">
+              <a:spcBef>
+                <a:spcPts val="0"/>
+              </a:spcBef>
+              <a:spcAft>
+                <a:spcPts val="0"/>
+              </a:spcAft>
+              <a:buClr>
+                <a:srgbClr val="674EA7"/>
+              </a:buClr>
+              <a:buSzPts val="1400"/>
+              <a:buFont typeface="Nunito"/>
+              <a:buChar char="★"/>
+            </a:pPr>
+            <a:r>
+              <a:rPr lang="fr">
+                <a:latin typeface="Nunito"/>
+                <a:ea typeface="Nunito"/>
+                <a:cs typeface="Nunito"/>
+                <a:sym typeface="Nunito"/>
+              </a:rPr>
+              <a:t>create a beautiful web interface, with the videoclip and direct link to spotify url</a:t>
+            </a:r>
+            <a:endParaRPr>
+              <a:latin typeface="Nunito"/>
+              <a:ea typeface="Nunito"/>
+              <a:cs typeface="Nunito"/>
+              <a:sym typeface="Nunito"/>
+            </a:endParaRPr>
+          </a:p>
+          <a:p>
+            <a:pPr indent="0" lvl="0" marL="457200" rtl="0" algn="l">
+              <a:spcBef>
+                <a:spcPts val="0"/>
+              </a:spcBef>
+              <a:spcAft>
+                <a:spcPts val="0"/>
+              </a:spcAft>
+              <a:buNone/>
+            </a:pPr>
+            <a:r>
+              <a:t/>
+            </a:r>
+            <a:endParaRPr>
+              <a:latin typeface="Nunito"/>
+              <a:ea typeface="Nunito"/>
+              <a:cs typeface="Nunito"/>
+              <a:sym typeface="Nunito"/>
+            </a:endParaRPr>
+          </a:p>
+          <a:p>
+            <a:pPr indent="-317500" lvl="0" marL="457200" rtl="0" algn="l">
+              <a:spcBef>
+                <a:spcPts val="0"/>
+              </a:spcBef>
+              <a:spcAft>
+                <a:spcPts val="0"/>
+              </a:spcAft>
+              <a:buClr>
+                <a:srgbClr val="674EA7"/>
+              </a:buClr>
+              <a:buSzPts val="1400"/>
+              <a:buFont typeface="Nunito"/>
+              <a:buChar char="★"/>
+            </a:pPr>
+            <a:r>
+              <a:rPr lang="fr">
+                <a:latin typeface="Nunito"/>
+                <a:ea typeface="Nunito"/>
+                <a:cs typeface="Nunito"/>
+                <a:sym typeface="Nunito"/>
+              </a:rPr>
+              <a:t>create an interactive community of music lovers to implement a collaborative and machine learning algorithm </a:t>
+            </a:r>
+            <a:endParaRPr>
+              <a:latin typeface="Nunito"/>
+              <a:ea typeface="Nunito"/>
+              <a:cs typeface="Nunito"/>
+              <a:sym typeface="Nunito"/>
+            </a:endParaRPr>
+          </a:p>
+          <a:p>
+            <a:pPr indent="0" lvl="0" marL="457200" rtl="0" algn="l">
+              <a:spcBef>
+                <a:spcPts val="0"/>
+              </a:spcBef>
+              <a:spcAft>
+                <a:spcPts val="0"/>
+              </a:spcAft>
+              <a:buNone/>
+            </a:pPr>
+            <a:r>
+              <a:t/>
+            </a:r>
+            <a:endParaRPr>
+              <a:latin typeface="Nunito"/>
+              <a:ea typeface="Nunito"/>
+              <a:cs typeface="Nunito"/>
+              <a:sym typeface="Nunito"/>
+            </a:endParaRPr>
+          </a:p>
+          <a:p>
+            <a:pPr indent="-317500" lvl="0" marL="457200" rtl="0" algn="l">
+              <a:spcBef>
+                <a:spcPts val="0"/>
+              </a:spcBef>
+              <a:spcAft>
+                <a:spcPts val="0"/>
+              </a:spcAft>
+              <a:buClr>
+                <a:srgbClr val="674EA7"/>
+              </a:buClr>
+              <a:buSzPts val="1400"/>
+              <a:buFont typeface="Nunito"/>
+              <a:buChar char="★"/>
+            </a:pPr>
+            <a:r>
+              <a:rPr lang="fr">
+                <a:latin typeface="Nunito"/>
+                <a:ea typeface="Nunito"/>
+                <a:cs typeface="Nunito"/>
+                <a:sym typeface="Nunito"/>
+              </a:rPr>
+              <a:t>communicate on this new app and share it everywhere </a:t>
+            </a:r>
+            <a:endParaRPr>
+              <a:latin typeface="Nunito"/>
+              <a:ea typeface="Nunito"/>
+              <a:cs typeface="Nunito"/>
+              <a:sym typeface="Nunito"/>
+            </a:endParaRPr>
+          </a:p>
+        </p:txBody>
+      </p:sp>
+      <p:pic>
+        <p:nvPicPr>
+          <p:cNvPr id="154" name="Google Shape;154;p21"/>
+          <p:cNvPicPr preferRelativeResize="0"/>
+          <p:nvPr/>
+        </p:nvPicPr>
+        <p:blipFill rotWithShape="1">
+          <a:blip r:embed="rId3">
+            <a:alphaModFix/>
+          </a:blip>
+          <a:srcRect b="0" l="10642" r="17882" t="0"/>
+          <a:stretch/>
+        </p:blipFill>
+        <p:spPr>
+          <a:xfrm>
+            <a:off x="5133475" y="1322600"/>
+            <a:ext cx="3896050" cy="3065100"/>
+          </a:xfrm>
+          <a:prstGeom prst="rect">
+            <a:avLst/>
+          </a:prstGeom>
+          <a:noFill/>
+          <a:ln>
+            <a:noFill/>
+          </a:ln>
+        </p:spPr>
+      </p:pic>
+      <p:pic>
+        <p:nvPicPr>
+          <p:cNvPr id="155" name="Google Shape;155;p21"/>
+          <p:cNvPicPr preferRelativeResize="0"/>
+          <p:nvPr/>
+        </p:nvPicPr>
+        <p:blipFill rotWithShape="1">
+          <a:blip r:embed="rId4">
+            <a:alphaModFix/>
+          </a:blip>
+          <a:srcRect b="0" l="27060" r="0" t="0"/>
+          <a:stretch/>
+        </p:blipFill>
+        <p:spPr>
+          <a:xfrm>
+            <a:off x="5489900" y="78925"/>
+            <a:ext cx="3550100" cy="504825"/>
+          </a:xfrm>
+          <a:prstGeom prst="rect">
+            <a:avLst/>
+          </a:prstGeom>
+          <a:noFill/>
+          <a:ln>
+            <a:noFill/>
+          </a:ln>
+        </p:spPr>
+      </p:pic>
+    </p:spTree>
+  </p:cSld>
+  <p:clrMapOvr>
+    <a:masterClrMapping/>
+  </p:clrMapOvr>
+</p:sld>
+</file>
+
+<file path=ppt/slides/slide9.xml><?xml version="1.0" encoding="utf-8"?>
+<p:sld xmlns:a="http://schemas.openxmlformats.org/drawingml/2006/main" xmlns:r="http://schemas.openxmlformats.org/officeDocument/2006/relationships" xmlns:mc="http://schemas.openxmlformats.org/markup-compatibility/2006" xmlns:mv="urn:schemas-microsoft-com:mac:vml" xmlns:p="http://schemas.openxmlformats.org/presentationml/2006/main" xmlns:c="http://schemas.openxmlformats.org/drawingml/2006/chart" xmlns:dgm="http://schemas.openxmlformats.org/drawingml/2006/diagram" xmlns:o="urn:schemas-microsoft-com:office:office" xmlns:v="urn:schemas-microsoft-com:vml" xmlns:pvml="urn:schemas-microsoft-com:office:powerpoint" xmlns:com="http://schemas.openxmlformats.org/drawingml/2006/compatibility" xmlns:p14="http://schemas.microsoft.com/office/powerpoint/2010/main" xmlns:p15="http://schemas.microsoft.com/office/powerpoint/2012/main" xmlns:ahyp="http://schemas.microsoft.com/office/drawing/2018/hyperlinkcolor">
+  <p:cSld>
+    <p:spTree>
+      <p:nvGrpSpPr>
+        <p:cNvPr id="159" name="Shape 159"/>
         <p:cNvGrpSpPr/>
         <p:nvPr/>
       </p:nvGrpSpPr>
@@ -7514,7 +10673,7 @@
       </p:grpSpPr>
       <p:pic>
         <p:nvPicPr>
-          <p:cNvPr id="99" name="Google Shape;99;p20"/>
+          <p:cNvPr id="160" name="Google Shape;160;p22"/>
           <p:cNvPicPr preferRelativeResize="0"/>
           <p:nvPr/>
         </p:nvPicPr>
@@ -7528,7 +10687,7 @@
         </p:blipFill>
         <p:spPr>
           <a:xfrm>
-            <a:off x="152400" y="152400"/>
+            <a:off x="4172725" y="78925"/>
             <a:ext cx="4867275" cy="504825"/>
           </a:xfrm>
           <a:prstGeom prst="rect">
@@ -7542,30 +10701,28 @@
       </p:pic>
       <p:sp>
         <p:nvSpPr>
-          <p:cNvPr id="100" name="Google Shape;100;p20"/>
+          <p:cNvPr id="161" name="Google Shape;161;p22"/>
           <p:cNvSpPr txBox="1"/>
-          <p:nvPr/>
+          <p:nvPr>
+            <p:ph idx="1" type="subTitle"/>
+          </p:nvPr>
         </p:nvSpPr>
         <p:spPr>
           <a:xfrm>
-            <a:off x="1419875" y="1109575"/>
-            <a:ext cx="5613600" cy="400200"/>
+            <a:off x="790972" y="2026800"/>
+            <a:ext cx="5357700" cy="1089900"/>
           </a:xfrm>
           <a:prstGeom prst="rect">
             <a:avLst/>
           </a:prstGeom>
-          <a:noFill/>
-          <a:ln>
-            <a:noFill/>
-          </a:ln>
         </p:spPr>
         <p:txBody>
           <a:bodyPr anchorCtr="0" anchor="t" bIns="91425" lIns="91425" spcFirstLastPara="1" rIns="91425" wrap="square" tIns="91425">
-            <a:spAutoFit/>
+            <a:normAutofit/>
           </a:bodyPr>
           <a:lstStyle/>
           <a:p>
-            <a:pPr indent="0" lvl="0" marL="0" rtl="0" algn="l">
+            <a:pPr indent="0" lvl="0" marL="0" rtl="0" algn="ctr">
               <a:spcBef>
                 <a:spcPts val="0"/>
               </a:spcBef>
@@ -7575,46 +10732,37 @@
               <a:buNone/>
             </a:pPr>
             <a:r>
-              <a:rPr lang="fr"/>
-              <a:t>What we came up with</a:t>
+              <a:rPr lang="fr" sz="4200">
+                <a:solidFill>
+                  <a:srgbClr val="8E7CC3"/>
+                </a:solidFill>
+                <a:latin typeface="Spartan"/>
+                <a:ea typeface="Spartan"/>
+                <a:cs typeface="Spartan"/>
+                <a:sym typeface="Spartan"/>
+              </a:rPr>
+              <a:t>HARRY IS HAPPY</a:t>
             </a:r>
-            <a:endParaRPr/>
+            <a:endParaRPr>
+              <a:solidFill>
+                <a:srgbClr val="8E7CC3"/>
+              </a:solidFill>
+              <a:latin typeface="Spartan"/>
+              <a:ea typeface="Spartan"/>
+              <a:cs typeface="Spartan"/>
+              <a:sym typeface="Spartan"/>
+            </a:endParaRPr>
           </a:p>
         </p:txBody>
       </p:sp>
-    </p:spTree>
-  </p:cSld>
-  <p:clrMapOvr>
-    <a:masterClrMapping/>
-  </p:clrMapOvr>
-</p:sld>
-</file>
-
-<file path=ppt/slides/slide8.xml><?xml version="1.0" encoding="utf-8"?>
-<p:sld xmlns:a="http://schemas.openxmlformats.org/drawingml/2006/main" xmlns:r="http://schemas.openxmlformats.org/officeDocument/2006/relationships" xmlns:mc="http://schemas.openxmlformats.org/markup-compatibility/2006" xmlns:mv="urn:schemas-microsoft-com:mac:vml" xmlns:p="http://schemas.openxmlformats.org/presentationml/2006/main" xmlns:c="http://schemas.openxmlformats.org/drawingml/2006/chart" xmlns:dgm="http://schemas.openxmlformats.org/drawingml/2006/diagram" xmlns:o="urn:schemas-microsoft-com:office:office" xmlns:v="urn:schemas-microsoft-com:vml" xmlns:pvml="urn:schemas-microsoft-com:office:powerpoint" xmlns:com="http://schemas.openxmlformats.org/drawingml/2006/compatibility" xmlns:p14="http://schemas.microsoft.com/office/powerpoint/2010/main" xmlns:p15="http://schemas.microsoft.com/office/powerpoint/2012/main" xmlns:ahyp="http://schemas.microsoft.com/office/drawing/2018/hyperlinkcolor">
-  <p:cSld>
-    <p:spTree>
-      <p:nvGrpSpPr>
-        <p:cNvPr id="104" name="Shape 104"/>
-        <p:cNvGrpSpPr/>
-        <p:nvPr/>
-      </p:nvGrpSpPr>
-      <p:grpSpPr>
-        <a:xfrm>
-          <a:off x="0" y="0"/>
-          <a:ext cx="0" cy="0"/>
-          <a:chOff x="0" y="0"/>
-          <a:chExt cx="0" cy="0"/>
-        </a:xfrm>
-      </p:grpSpPr>
       <p:pic>
         <p:nvPicPr>
-          <p:cNvPr id="105" name="Google Shape;105;p21"/>
+          <p:cNvPr id="162" name="Google Shape;162;p22"/>
           <p:cNvPicPr preferRelativeResize="0"/>
           <p:nvPr/>
         </p:nvPicPr>
         <p:blipFill>
-          <a:blip r:embed="rId3">
+          <a:blip r:embed="rId4">
             <a:alphaModFix/>
           </a:blip>
           <a:stretch>
@@ -7623,8 +10771,8 @@
         </p:blipFill>
         <p:spPr>
           <a:xfrm>
-            <a:off x="152400" y="152400"/>
-            <a:ext cx="4867275" cy="504825"/>
+            <a:off x="309875" y="981700"/>
+            <a:ext cx="928774" cy="928774"/>
           </a:xfrm>
           <a:prstGeom prst="rect">
             <a:avLst/>
@@ -7635,16 +10783,23 @@
           </a:ln>
         </p:spPr>
       </p:pic>
-      <p:sp>
-        <p:nvSpPr>
-          <p:cNvPr id="106" name="Google Shape;106;p21"/>
-          <p:cNvSpPr txBox="1"/>
+      <p:pic>
+        <p:nvPicPr>
+          <p:cNvPr id="163" name="Google Shape;163;p22"/>
+          <p:cNvPicPr preferRelativeResize="0"/>
           <p:nvPr/>
-        </p:nvSpPr>
-        <p:spPr>
-          <a:xfrm>
-            <a:off x="1419875" y="1109575"/>
-            <a:ext cx="5613600" cy="2124000"/>
+        </p:nvPicPr>
+        <p:blipFill rotWithShape="1">
+          <a:blip r:embed="rId5">
+            <a:alphaModFix/>
+          </a:blip>
+          <a:srcRect b="11847" l="23774" r="15560" t="9585"/>
+          <a:stretch/>
+        </p:blipFill>
+        <p:spPr>
+          <a:xfrm>
+            <a:off x="6361150" y="583750"/>
+            <a:ext cx="2345008" cy="4559750"/>
           </a:xfrm>
           <a:prstGeom prst="rect">
             <a:avLst/>
@@ -7654,217 +10809,7 @@
             <a:noFill/>
           </a:ln>
         </p:spPr>
-        <p:txBody>
-          <a:bodyPr anchorCtr="0" anchor="t" bIns="91425" lIns="91425" spcFirstLastPara="1" rIns="91425" wrap="square" tIns="91425">
-            <a:spAutoFit/>
-          </a:bodyPr>
-          <a:lstStyle/>
-          <a:p>
-            <a:pPr indent="0" lvl="0" marL="0" rtl="0" algn="l">
-              <a:spcBef>
-                <a:spcPts val="0"/>
-              </a:spcBef>
-              <a:spcAft>
-                <a:spcPts val="0"/>
-              </a:spcAft>
-              <a:buNone/>
-            </a:pPr>
-            <a:r>
-              <a:rPr lang="fr"/>
-              <a:t>I need more budget to :</a:t>
-            </a:r>
-            <a:endParaRPr/>
-          </a:p>
-          <a:p>
-            <a:pPr indent="0" lvl="0" marL="0" rtl="0" algn="l">
-              <a:spcBef>
-                <a:spcPts val="0"/>
-              </a:spcBef>
-              <a:spcAft>
-                <a:spcPts val="0"/>
-              </a:spcAft>
-              <a:buNone/>
-            </a:pPr>
-            <a:r>
-              <a:t/>
-            </a:r>
-            <a:endParaRPr/>
-          </a:p>
-          <a:p>
-            <a:pPr indent="0" lvl="0" marL="0" rtl="0" algn="l">
-              <a:spcBef>
-                <a:spcPts val="0"/>
-              </a:spcBef>
-              <a:spcAft>
-                <a:spcPts val="0"/>
-              </a:spcAft>
-              <a:buNone/>
-            </a:pPr>
-            <a:r>
-              <a:rPr lang="fr"/>
-              <a:t>-&gt; add many songs and playlists to the model to increase its perf and recommend songs that are very close to the user’s input</a:t>
-            </a:r>
-            <a:endParaRPr/>
-          </a:p>
-          <a:p>
-            <a:pPr indent="0" lvl="0" marL="0" rtl="0" algn="l">
-              <a:spcBef>
-                <a:spcPts val="0"/>
-              </a:spcBef>
-              <a:spcAft>
-                <a:spcPts val="0"/>
-              </a:spcAft>
-              <a:buNone/>
-            </a:pPr>
-            <a:r>
-              <a:t/>
-            </a:r>
-            <a:endParaRPr/>
-          </a:p>
-          <a:p>
-            <a:pPr indent="0" lvl="0" marL="0" rtl="0" algn="l">
-              <a:spcBef>
-                <a:spcPts val="0"/>
-              </a:spcBef>
-              <a:spcAft>
-                <a:spcPts val="0"/>
-              </a:spcAft>
-              <a:buNone/>
-            </a:pPr>
-            <a:r>
-              <a:rPr lang="fr"/>
-              <a:t>-&gt; create a beautiful web interface, with the videoclip and direct link to spotify url</a:t>
-            </a:r>
-            <a:endParaRPr/>
-          </a:p>
-          <a:p>
-            <a:pPr indent="0" lvl="0" marL="0" rtl="0" algn="l">
-              <a:spcBef>
-                <a:spcPts val="0"/>
-              </a:spcBef>
-              <a:spcAft>
-                <a:spcPts val="0"/>
-              </a:spcAft>
-              <a:buNone/>
-            </a:pPr>
-            <a:r>
-              <a:t/>
-            </a:r>
-            <a:endParaRPr/>
-          </a:p>
-          <a:p>
-            <a:pPr indent="0" lvl="0" marL="0" rtl="0" algn="l">
-              <a:spcBef>
-                <a:spcPts val="0"/>
-              </a:spcBef>
-              <a:spcAft>
-                <a:spcPts val="0"/>
-              </a:spcAft>
-              <a:buNone/>
-            </a:pPr>
-            <a:r>
-              <a:rPr lang="fr"/>
-              <a:t>-&gt; communicate on this new app and share it everywhere </a:t>
-            </a:r>
-            <a:endParaRPr/>
-          </a:p>
-        </p:txBody>
-      </p:sp>
-    </p:spTree>
-  </p:cSld>
-  <p:clrMapOvr>
-    <a:masterClrMapping/>
-  </p:clrMapOvr>
-</p:sld>
-</file>
-
-<file path=ppt/slides/slide9.xml><?xml version="1.0" encoding="utf-8"?>
-<p:sld xmlns:a="http://schemas.openxmlformats.org/drawingml/2006/main" xmlns:r="http://schemas.openxmlformats.org/officeDocument/2006/relationships" xmlns:mc="http://schemas.openxmlformats.org/markup-compatibility/2006" xmlns:mv="urn:schemas-microsoft-com:mac:vml" xmlns:p="http://schemas.openxmlformats.org/presentationml/2006/main" xmlns:c="http://schemas.openxmlformats.org/drawingml/2006/chart" xmlns:dgm="http://schemas.openxmlformats.org/drawingml/2006/diagram" xmlns:o="urn:schemas-microsoft-com:office:office" xmlns:v="urn:schemas-microsoft-com:vml" xmlns:pvml="urn:schemas-microsoft-com:office:powerpoint" xmlns:com="http://schemas.openxmlformats.org/drawingml/2006/compatibility" xmlns:p14="http://schemas.microsoft.com/office/powerpoint/2010/main" xmlns:p15="http://schemas.microsoft.com/office/powerpoint/2012/main" xmlns:ahyp="http://schemas.microsoft.com/office/drawing/2018/hyperlinkcolor">
-  <p:cSld>
-    <p:spTree>
-      <p:nvGrpSpPr>
-        <p:cNvPr id="110" name="Shape 110"/>
-        <p:cNvGrpSpPr/>
-        <p:nvPr/>
-      </p:nvGrpSpPr>
-      <p:grpSpPr>
-        <a:xfrm>
-          <a:off x="0" y="0"/>
-          <a:ext cx="0" cy="0"/>
-          <a:chOff x="0" y="0"/>
-          <a:chExt cx="0" cy="0"/>
-        </a:xfrm>
-      </p:grpSpPr>
-      <p:pic>
-        <p:nvPicPr>
-          <p:cNvPr id="111" name="Google Shape;111;p22"/>
-          <p:cNvPicPr preferRelativeResize="0"/>
-          <p:nvPr/>
-        </p:nvPicPr>
-        <p:blipFill>
-          <a:blip r:embed="rId3">
-            <a:alphaModFix/>
-          </a:blip>
-          <a:stretch>
-            <a:fillRect/>
-          </a:stretch>
-        </p:blipFill>
-        <p:spPr>
-          <a:xfrm>
-            <a:off x="152400" y="152400"/>
-            <a:ext cx="4867275" cy="504825"/>
-          </a:xfrm>
-          <a:prstGeom prst="rect">
-            <a:avLst/>
-          </a:prstGeom>
-          <a:noFill/>
-          <a:ln>
-            <a:noFill/>
-          </a:ln>
-        </p:spPr>
       </p:pic>
-      <p:sp>
-        <p:nvSpPr>
-          <p:cNvPr id="112" name="Google Shape;112;p22"/>
-          <p:cNvSpPr txBox="1"/>
-          <p:nvPr/>
-        </p:nvSpPr>
-        <p:spPr>
-          <a:xfrm>
-            <a:off x="1419875" y="1109575"/>
-            <a:ext cx="5613600" cy="400200"/>
-          </a:xfrm>
-          <a:prstGeom prst="rect">
-            <a:avLst/>
-          </a:prstGeom>
-          <a:noFill/>
-          <a:ln>
-            <a:noFill/>
-          </a:ln>
-        </p:spPr>
-        <p:txBody>
-          <a:bodyPr anchorCtr="0" anchor="t" bIns="91425" lIns="91425" spcFirstLastPara="1" rIns="91425" wrap="square" tIns="91425">
-            <a:spAutoFit/>
-          </a:bodyPr>
-          <a:lstStyle/>
-          <a:p>
-            <a:pPr indent="0" lvl="0" marL="0" rtl="0" algn="l">
-              <a:spcBef>
-                <a:spcPts val="0"/>
-              </a:spcBef>
-              <a:spcAft>
-                <a:spcPts val="0"/>
-              </a:spcAft>
-              <a:buNone/>
-            </a:pPr>
-            <a:r>
-              <a:rPr lang="fr"/>
-              <a:t>HARRY IS HAPPY</a:t>
-            </a:r>
-            <a:endParaRPr/>
-          </a:p>
-        </p:txBody>
-      </p:sp>
     </p:spTree>
   </p:cSld>
   <p:clrMapOvr>
